--- a/figures/20210603_lab_meeting.pptx
+++ b/figures/20210603_lab_meeting.pptx
@@ -16,11 +16,13 @@
     <p:sldId id="269" r:id="rId10"/>
     <p:sldId id="256" r:id="rId11"/>
     <p:sldId id="257" r:id="rId12"/>
-    <p:sldId id="270" r:id="rId13"/>
-    <p:sldId id="258" r:id="rId14"/>
-    <p:sldId id="271" r:id="rId15"/>
-    <p:sldId id="274" r:id="rId16"/>
-    <p:sldId id="261" r:id="rId17"/>
+    <p:sldId id="275" r:id="rId13"/>
+    <p:sldId id="270" r:id="rId14"/>
+    <p:sldId id="258" r:id="rId15"/>
+    <p:sldId id="271" r:id="rId16"/>
+    <p:sldId id="274" r:id="rId17"/>
+    <p:sldId id="276" r:id="rId18"/>
+    <p:sldId id="261" r:id="rId19"/>
   </p:sldIdLst>
   <p:sldSz cx="7772400" cy="10058400"/>
   <p:notesSz cx="6858000" cy="9144000"/>
@@ -138,6 +140,2689 @@
 </p:presentation>
 </file>
 
+<file path=ppt/charts/chart1.xml><?xml version="1.0" encoding="utf-8"?>
+<c:chartSpace xmlns:c="http://schemas.openxmlformats.org/drawingml/2006/chart" xmlns:a="http://schemas.openxmlformats.org/drawingml/2006/main" xmlns:r="http://schemas.openxmlformats.org/officeDocument/2006/relationships" xmlns:c16r2="http://schemas.microsoft.com/office/drawing/2015/06/chart">
+  <c:date1904 val="0"/>
+  <c:lang val="en-US"/>
+  <c:roundedCorners val="0"/>
+  <mc:AlternateContent xmlns:mc="http://schemas.openxmlformats.org/markup-compatibility/2006">
+    <mc:Choice xmlns:c14="http://schemas.microsoft.com/office/drawing/2007/8/2/chart" Requires="c14">
+      <c14:style val="102"/>
+    </mc:Choice>
+    <mc:Fallback>
+      <c:style val="2"/>
+    </mc:Fallback>
+  </mc:AlternateContent>
+  <c:chart>
+    <c:autoTitleDeleted val="1"/>
+    <c:plotArea>
+      <c:layout/>
+      <c:barChart>
+        <c:barDir val="col"/>
+        <c:grouping val="clustered"/>
+        <c:varyColors val="0"/>
+        <c:ser>
+          <c:idx val="0"/>
+          <c:order val="0"/>
+          <c:tx>
+            <c:v>Fed apigenin 100 uM</c:v>
+          </c:tx>
+          <c:spPr>
+            <a:solidFill>
+              <a:schemeClr val="accent1"/>
+            </a:solidFill>
+            <a:ln>
+              <a:noFill/>
+            </a:ln>
+            <a:effectLst/>
+          </c:spPr>
+          <c:invertIfNegative val="0"/>
+          <c:errBars>
+            <c:errBarType val="both"/>
+            <c:errValType val="stdDev"/>
+            <c:noEndCap val="0"/>
+            <c:val val="1"/>
+            <c:spPr>
+              <a:noFill/>
+              <a:ln w="9525" cap="flat" cmpd="sng" algn="ctr">
+                <a:solidFill>
+                  <a:schemeClr val="tx1">
+                    <a:lumMod val="65000"/>
+                    <a:lumOff val="35000"/>
+                  </a:schemeClr>
+                </a:solidFill>
+                <a:round/>
+              </a:ln>
+              <a:effectLst/>
+            </c:spPr>
+          </c:errBars>
+          <c:cat>
+            <c:strLit>
+              <c:ptCount val="1"/>
+              <c:pt idx="0">
+                <c:v>1</c:v>
+              </c:pt>
+              <c:extLst>
+                <c:ext xmlns:c15="http://schemas.microsoft.com/office/drawing/2012/chart" uri="{02D57815-91ED-43cb-92C2-25804820EDAC}">
+                  <c15:autoCat val="1"/>
+                </c:ext>
+              </c:extLst>
+            </c:strLit>
+          </c:cat>
+          <c:val>
+            <c:numRef>
+              <c:f>Sheet1!$L$3</c:f>
+              <c:numCache>
+                <c:formatCode>General</c:formatCode>
+                <c:ptCount val="1"/>
+                <c:pt idx="0">
+                  <c:v>1.0297465816726947</c:v>
+                </c:pt>
+              </c:numCache>
+              <c:extLst/>
+            </c:numRef>
+          </c:val>
+          <c:extLst>
+            <c:ext xmlns:c16="http://schemas.microsoft.com/office/drawing/2014/chart" uri="{C3380CC4-5D6E-409C-BE32-E72D297353CC}">
+              <c16:uniqueId val="{00000000-1CEF-42E5-89D2-9B0945641AE5}"/>
+            </c:ext>
+          </c:extLst>
+        </c:ser>
+        <c:ser>
+          <c:idx val="1"/>
+          <c:order val="1"/>
+          <c:tx>
+            <c:v>Control</c:v>
+          </c:tx>
+          <c:spPr>
+            <a:solidFill>
+              <a:schemeClr val="accent2"/>
+            </a:solidFill>
+            <a:ln>
+              <a:noFill/>
+            </a:ln>
+            <a:effectLst/>
+          </c:spPr>
+          <c:invertIfNegative val="0"/>
+          <c:cat>
+            <c:strLit>
+              <c:ptCount val="1"/>
+              <c:pt idx="0">
+                <c:v>1</c:v>
+              </c:pt>
+              <c:extLst>
+                <c:ext xmlns:c15="http://schemas.microsoft.com/office/drawing/2012/chart" uri="{02D57815-91ED-43cb-92C2-25804820EDAC}">
+                  <c15:autoCat val="1"/>
+                </c:ext>
+              </c:extLst>
+            </c:strLit>
+          </c:cat>
+          <c:val>
+            <c:numRef>
+              <c:f>Sheet1!$L$9</c:f>
+              <c:numCache>
+                <c:formatCode>General</c:formatCode>
+                <c:ptCount val="1"/>
+                <c:pt idx="0">
+                  <c:v>0.26524309869607426</c:v>
+                </c:pt>
+              </c:numCache>
+              <c:extLst/>
+            </c:numRef>
+          </c:val>
+          <c:extLst>
+            <c:ext xmlns:c16="http://schemas.microsoft.com/office/drawing/2014/chart" uri="{C3380CC4-5D6E-409C-BE32-E72D297353CC}">
+              <c16:uniqueId val="{00000001-1CEF-42E5-89D2-9B0945641AE5}"/>
+            </c:ext>
+          </c:extLst>
+        </c:ser>
+        <c:dLbls>
+          <c:showLegendKey val="0"/>
+          <c:showVal val="0"/>
+          <c:showCatName val="0"/>
+          <c:showSerName val="0"/>
+          <c:showPercent val="0"/>
+          <c:showBubbleSize val="0"/>
+        </c:dLbls>
+        <c:gapWidth val="219"/>
+        <c:overlap val="-27"/>
+        <c:axId val="360494584"/>
+        <c:axId val="360499832"/>
+      </c:barChart>
+      <c:catAx>
+        <c:axId val="360494584"/>
+        <c:scaling>
+          <c:orientation val="minMax"/>
+        </c:scaling>
+        <c:delete val="1"/>
+        <c:axPos val="b"/>
+        <c:title>
+          <c:tx>
+            <c:rich>
+              <a:bodyPr rot="0" spcFirstLastPara="1" vertOverflow="ellipsis" vert="horz" wrap="square" anchor="ctr" anchorCtr="1"/>
+              <a:lstStyle/>
+              <a:p>
+                <a:pPr>
+                  <a:defRPr sz="1000" b="0" i="0" u="none" strike="noStrike" kern="1200" baseline="0">
+                    <a:solidFill>
+                      <a:sysClr val="windowText" lastClr="000000"/>
+                    </a:solidFill>
+                    <a:latin typeface="Arial" panose="020B0604020202020204" pitchFamily="34" charset="0"/>
+                    <a:ea typeface="+mn-ea"/>
+                    <a:cs typeface="Arial" panose="020B0604020202020204" pitchFamily="34" charset="0"/>
+                  </a:defRPr>
+                </a:pPr>
+                <a:r>
+                  <a:rPr lang="en-US"/>
+                  <a:t>Apigenin</a:t>
+                </a:r>
+              </a:p>
+            </c:rich>
+          </c:tx>
+          <c:overlay val="0"/>
+          <c:spPr>
+            <a:noFill/>
+            <a:ln>
+              <a:noFill/>
+            </a:ln>
+            <a:effectLst/>
+          </c:spPr>
+          <c:txPr>
+            <a:bodyPr rot="0" spcFirstLastPara="1" vertOverflow="ellipsis" vert="horz" wrap="square" anchor="ctr" anchorCtr="1"/>
+            <a:lstStyle/>
+            <a:p>
+              <a:pPr>
+                <a:defRPr sz="1000" b="0" i="0" u="none" strike="noStrike" kern="1200" baseline="0">
+                  <a:solidFill>
+                    <a:sysClr val="windowText" lastClr="000000"/>
+                  </a:solidFill>
+                  <a:latin typeface="Arial" panose="020B0604020202020204" pitchFamily="34" charset="0"/>
+                  <a:ea typeface="+mn-ea"/>
+                  <a:cs typeface="Arial" panose="020B0604020202020204" pitchFamily="34" charset="0"/>
+                </a:defRPr>
+              </a:pPr>
+              <a:endParaRPr lang="en-US"/>
+            </a:p>
+          </c:txPr>
+        </c:title>
+        <c:numFmt formatCode="General" sourceLinked="1"/>
+        <c:majorTickMark val="none"/>
+        <c:minorTickMark val="none"/>
+        <c:tickLblPos val="nextTo"/>
+        <c:crossAx val="360499832"/>
+        <c:crosses val="autoZero"/>
+        <c:auto val="1"/>
+        <c:lblAlgn val="ctr"/>
+        <c:lblOffset val="100"/>
+        <c:noMultiLvlLbl val="0"/>
+      </c:catAx>
+      <c:valAx>
+        <c:axId val="360499832"/>
+        <c:scaling>
+          <c:orientation val="minMax"/>
+        </c:scaling>
+        <c:delete val="0"/>
+        <c:axPos val="l"/>
+        <c:majorGridlines>
+          <c:spPr>
+            <a:ln w="9525" cap="flat" cmpd="sng" algn="ctr">
+              <a:solidFill>
+                <a:schemeClr val="tx1">
+                  <a:lumMod val="15000"/>
+                  <a:lumOff val="85000"/>
+                </a:schemeClr>
+              </a:solidFill>
+              <a:round/>
+            </a:ln>
+            <a:effectLst/>
+          </c:spPr>
+        </c:majorGridlines>
+        <c:title>
+          <c:tx>
+            <c:rich>
+              <a:bodyPr rot="-5400000" spcFirstLastPara="1" vertOverflow="ellipsis" vert="horz" wrap="square" anchor="ctr" anchorCtr="1"/>
+              <a:lstStyle/>
+              <a:p>
+                <a:pPr>
+                  <a:defRPr sz="1000" b="0" i="0" u="none" strike="noStrike" kern="1200" baseline="0">
+                    <a:solidFill>
+                      <a:sysClr val="windowText" lastClr="000000"/>
+                    </a:solidFill>
+                    <a:latin typeface="Arial" panose="020B0604020202020204" pitchFamily="34" charset="0"/>
+                    <a:ea typeface="+mn-ea"/>
+                    <a:cs typeface="Arial" panose="020B0604020202020204" pitchFamily="34" charset="0"/>
+                  </a:defRPr>
+                </a:pPr>
+                <a:r>
+                  <a:rPr lang="en-US"/>
+                  <a:t>Normalized peak area</a:t>
+                </a:r>
+              </a:p>
+            </c:rich>
+          </c:tx>
+          <c:overlay val="0"/>
+          <c:spPr>
+            <a:noFill/>
+            <a:ln>
+              <a:noFill/>
+            </a:ln>
+            <a:effectLst/>
+          </c:spPr>
+          <c:txPr>
+            <a:bodyPr rot="-5400000" spcFirstLastPara="1" vertOverflow="ellipsis" vert="horz" wrap="square" anchor="ctr" anchorCtr="1"/>
+            <a:lstStyle/>
+            <a:p>
+              <a:pPr>
+                <a:defRPr sz="1000" b="0" i="0" u="none" strike="noStrike" kern="1200" baseline="0">
+                  <a:solidFill>
+                    <a:sysClr val="windowText" lastClr="000000"/>
+                  </a:solidFill>
+                  <a:latin typeface="Arial" panose="020B0604020202020204" pitchFamily="34" charset="0"/>
+                  <a:ea typeface="+mn-ea"/>
+                  <a:cs typeface="Arial" panose="020B0604020202020204" pitchFamily="34" charset="0"/>
+                </a:defRPr>
+              </a:pPr>
+              <a:endParaRPr lang="en-US"/>
+            </a:p>
+          </c:txPr>
+        </c:title>
+        <c:numFmt formatCode="General" sourceLinked="1"/>
+        <c:majorTickMark val="none"/>
+        <c:minorTickMark val="none"/>
+        <c:tickLblPos val="nextTo"/>
+        <c:spPr>
+          <a:noFill/>
+          <a:ln>
+            <a:noFill/>
+          </a:ln>
+          <a:effectLst/>
+        </c:spPr>
+        <c:txPr>
+          <a:bodyPr rot="-60000000" spcFirstLastPara="1" vertOverflow="ellipsis" vert="horz" wrap="square" anchor="ctr" anchorCtr="1"/>
+          <a:lstStyle/>
+          <a:p>
+            <a:pPr>
+              <a:defRPr sz="900" b="0" i="0" u="none" strike="noStrike" kern="1200" baseline="0">
+                <a:solidFill>
+                  <a:sysClr val="windowText" lastClr="000000"/>
+                </a:solidFill>
+                <a:latin typeface="Arial" panose="020B0604020202020204" pitchFamily="34" charset="0"/>
+                <a:ea typeface="+mn-ea"/>
+                <a:cs typeface="Arial" panose="020B0604020202020204" pitchFamily="34" charset="0"/>
+              </a:defRPr>
+            </a:pPr>
+            <a:endParaRPr lang="en-US"/>
+          </a:p>
+        </c:txPr>
+        <c:crossAx val="360494584"/>
+        <c:crosses val="autoZero"/>
+        <c:crossBetween val="between"/>
+      </c:valAx>
+      <c:spPr>
+        <a:noFill/>
+        <a:ln>
+          <a:solidFill>
+            <a:schemeClr val="tx1"/>
+          </a:solidFill>
+        </a:ln>
+        <a:effectLst/>
+      </c:spPr>
+    </c:plotArea>
+    <c:plotVisOnly val="1"/>
+    <c:dispBlanksAs val="gap"/>
+    <c:showDLblsOverMax val="0"/>
+  </c:chart>
+  <c:spPr>
+    <a:solidFill>
+      <a:schemeClr val="bg1"/>
+    </a:solidFill>
+    <a:ln w="9525" cap="flat" cmpd="sng" algn="ctr">
+      <a:noFill/>
+      <a:round/>
+    </a:ln>
+    <a:effectLst/>
+  </c:spPr>
+  <c:txPr>
+    <a:bodyPr/>
+    <a:lstStyle/>
+    <a:p>
+      <a:pPr>
+        <a:defRPr>
+          <a:solidFill>
+            <a:sysClr val="windowText" lastClr="000000"/>
+          </a:solidFill>
+          <a:latin typeface="Arial" panose="020B0604020202020204" pitchFamily="34" charset="0"/>
+          <a:cs typeface="Arial" panose="020B0604020202020204" pitchFamily="34" charset="0"/>
+        </a:defRPr>
+      </a:pPr>
+      <a:endParaRPr lang="en-US"/>
+    </a:p>
+  </c:txPr>
+  <c:externalData r:id="rId3">
+    <c:autoUpdate val="0"/>
+  </c:externalData>
+</c:chartSpace>
+</file>
+
+<file path=ppt/charts/chart2.xml><?xml version="1.0" encoding="utf-8"?>
+<c:chartSpace xmlns:c="http://schemas.openxmlformats.org/drawingml/2006/chart" xmlns:a="http://schemas.openxmlformats.org/drawingml/2006/main" xmlns:r="http://schemas.openxmlformats.org/officeDocument/2006/relationships" xmlns:c16r2="http://schemas.microsoft.com/office/drawing/2015/06/chart">
+  <c:date1904 val="0"/>
+  <c:lang val="en-US"/>
+  <c:roundedCorners val="0"/>
+  <mc:AlternateContent xmlns:mc="http://schemas.openxmlformats.org/markup-compatibility/2006">
+    <mc:Choice xmlns:c14="http://schemas.microsoft.com/office/drawing/2007/8/2/chart" Requires="c14">
+      <c14:style val="102"/>
+    </mc:Choice>
+    <mc:Fallback>
+      <c:style val="2"/>
+    </mc:Fallback>
+  </mc:AlternateContent>
+  <c:chart>
+    <c:autoTitleDeleted val="1"/>
+    <c:plotArea>
+      <c:layout/>
+      <c:barChart>
+        <c:barDir val="col"/>
+        <c:grouping val="clustered"/>
+        <c:varyColors val="0"/>
+        <c:ser>
+          <c:idx val="0"/>
+          <c:order val="0"/>
+          <c:tx>
+            <c:v>Fed apigenin 100 uM</c:v>
+          </c:tx>
+          <c:spPr>
+            <a:solidFill>
+              <a:schemeClr val="accent1"/>
+            </a:solidFill>
+            <a:ln>
+              <a:noFill/>
+            </a:ln>
+            <a:effectLst/>
+          </c:spPr>
+          <c:invertIfNegative val="0"/>
+          <c:cat>
+            <c:strLit>
+              <c:ptCount val="1"/>
+              <c:pt idx="0">
+                <c:v>2</c:v>
+              </c:pt>
+              <c:extLst>
+                <c:ext xmlns:c15="http://schemas.microsoft.com/office/drawing/2012/chart" uri="{02D57815-91ED-43cb-92C2-25804820EDAC}">
+                  <c15:autoCat val="1"/>
+                </c:ext>
+              </c:extLst>
+            </c:strLit>
+          </c:cat>
+          <c:val>
+            <c:numRef>
+              <c:f>Sheet1!$M$3</c:f>
+              <c:numCache>
+                <c:formatCode>General</c:formatCode>
+                <c:ptCount val="1"/>
+                <c:pt idx="0">
+                  <c:v>71.315525825859567</c:v>
+                </c:pt>
+              </c:numCache>
+              <c:extLst/>
+            </c:numRef>
+          </c:val>
+          <c:extLst>
+            <c:ext xmlns:c16="http://schemas.microsoft.com/office/drawing/2014/chart" uri="{C3380CC4-5D6E-409C-BE32-E72D297353CC}">
+              <c16:uniqueId val="{00000000-4A22-4235-842E-CE28723A2640}"/>
+            </c:ext>
+          </c:extLst>
+        </c:ser>
+        <c:ser>
+          <c:idx val="1"/>
+          <c:order val="1"/>
+          <c:tx>
+            <c:v>Control</c:v>
+          </c:tx>
+          <c:spPr>
+            <a:solidFill>
+              <a:schemeClr val="accent2"/>
+            </a:solidFill>
+            <a:ln>
+              <a:noFill/>
+            </a:ln>
+            <a:effectLst/>
+          </c:spPr>
+          <c:invertIfNegative val="0"/>
+          <c:cat>
+            <c:strLit>
+              <c:ptCount val="1"/>
+              <c:pt idx="0">
+                <c:v>2</c:v>
+              </c:pt>
+              <c:extLst>
+                <c:ext xmlns:c15="http://schemas.microsoft.com/office/drawing/2012/chart" uri="{02D57815-91ED-43cb-92C2-25804820EDAC}">
+                  <c15:autoCat val="1"/>
+                </c:ext>
+              </c:extLst>
+            </c:strLit>
+          </c:cat>
+          <c:val>
+            <c:numRef>
+              <c:f>Sheet1!$M$9</c:f>
+              <c:numCache>
+                <c:formatCode>General</c:formatCode>
+                <c:ptCount val="1"/>
+                <c:pt idx="0">
+                  <c:v>41.1558532833469</c:v>
+                </c:pt>
+              </c:numCache>
+              <c:extLst/>
+            </c:numRef>
+          </c:val>
+          <c:extLst>
+            <c:ext xmlns:c16="http://schemas.microsoft.com/office/drawing/2014/chart" uri="{C3380CC4-5D6E-409C-BE32-E72D297353CC}">
+              <c16:uniqueId val="{00000001-4A22-4235-842E-CE28723A2640}"/>
+            </c:ext>
+          </c:extLst>
+        </c:ser>
+        <c:dLbls>
+          <c:showLegendKey val="0"/>
+          <c:showVal val="0"/>
+          <c:showCatName val="0"/>
+          <c:showSerName val="0"/>
+          <c:showPercent val="0"/>
+          <c:showBubbleSize val="0"/>
+        </c:dLbls>
+        <c:gapWidth val="219"/>
+        <c:overlap val="-27"/>
+        <c:axId val="360494584"/>
+        <c:axId val="360499832"/>
+      </c:barChart>
+      <c:catAx>
+        <c:axId val="360494584"/>
+        <c:scaling>
+          <c:orientation val="minMax"/>
+        </c:scaling>
+        <c:delete val="1"/>
+        <c:axPos val="b"/>
+        <c:title>
+          <c:tx>
+            <c:rich>
+              <a:bodyPr rot="0" spcFirstLastPara="1" vertOverflow="ellipsis" vert="horz" wrap="square" anchor="ctr" anchorCtr="1"/>
+              <a:lstStyle/>
+              <a:p>
+                <a:pPr>
+                  <a:defRPr sz="1000" b="0" i="0" u="none" strike="noStrike" kern="1200" baseline="0">
+                    <a:solidFill>
+                      <a:sysClr val="windowText" lastClr="000000"/>
+                    </a:solidFill>
+                    <a:latin typeface="Arial" panose="020B0604020202020204" pitchFamily="34" charset="0"/>
+                    <a:ea typeface="+mn-ea"/>
+                    <a:cs typeface="Arial" panose="020B0604020202020204" pitchFamily="34" charset="0"/>
+                  </a:defRPr>
+                </a:pPr>
+                <a:r>
+                  <a:rPr lang="en-US"/>
+                  <a:t>Scutellarin</a:t>
+                </a:r>
+              </a:p>
+            </c:rich>
+          </c:tx>
+          <c:overlay val="0"/>
+          <c:spPr>
+            <a:noFill/>
+            <a:ln>
+              <a:noFill/>
+            </a:ln>
+            <a:effectLst/>
+          </c:spPr>
+          <c:txPr>
+            <a:bodyPr rot="0" spcFirstLastPara="1" vertOverflow="ellipsis" vert="horz" wrap="square" anchor="ctr" anchorCtr="1"/>
+            <a:lstStyle/>
+            <a:p>
+              <a:pPr>
+                <a:defRPr sz="1000" b="0" i="0" u="none" strike="noStrike" kern="1200" baseline="0">
+                  <a:solidFill>
+                    <a:sysClr val="windowText" lastClr="000000"/>
+                  </a:solidFill>
+                  <a:latin typeface="Arial" panose="020B0604020202020204" pitchFamily="34" charset="0"/>
+                  <a:ea typeface="+mn-ea"/>
+                  <a:cs typeface="Arial" panose="020B0604020202020204" pitchFamily="34" charset="0"/>
+                </a:defRPr>
+              </a:pPr>
+              <a:endParaRPr lang="en-US"/>
+            </a:p>
+          </c:txPr>
+        </c:title>
+        <c:numFmt formatCode="General" sourceLinked="1"/>
+        <c:majorTickMark val="none"/>
+        <c:minorTickMark val="none"/>
+        <c:tickLblPos val="nextTo"/>
+        <c:crossAx val="360499832"/>
+        <c:crosses val="autoZero"/>
+        <c:auto val="1"/>
+        <c:lblAlgn val="ctr"/>
+        <c:lblOffset val="100"/>
+        <c:noMultiLvlLbl val="0"/>
+      </c:catAx>
+      <c:valAx>
+        <c:axId val="360499832"/>
+        <c:scaling>
+          <c:orientation val="minMax"/>
+        </c:scaling>
+        <c:delete val="0"/>
+        <c:axPos val="l"/>
+        <c:majorGridlines>
+          <c:spPr>
+            <a:ln w="9525" cap="flat" cmpd="sng" algn="ctr">
+              <a:solidFill>
+                <a:schemeClr val="tx1">
+                  <a:lumMod val="15000"/>
+                  <a:lumOff val="85000"/>
+                </a:schemeClr>
+              </a:solidFill>
+              <a:round/>
+            </a:ln>
+            <a:effectLst/>
+          </c:spPr>
+        </c:majorGridlines>
+        <c:title>
+          <c:tx>
+            <c:rich>
+              <a:bodyPr rot="-5400000" spcFirstLastPara="1" vertOverflow="ellipsis" vert="horz" wrap="square" anchor="ctr" anchorCtr="1"/>
+              <a:lstStyle/>
+              <a:p>
+                <a:pPr>
+                  <a:defRPr sz="1000" b="0" i="0" u="none" strike="noStrike" kern="1200" baseline="0">
+                    <a:solidFill>
+                      <a:sysClr val="windowText" lastClr="000000"/>
+                    </a:solidFill>
+                    <a:latin typeface="Arial" panose="020B0604020202020204" pitchFamily="34" charset="0"/>
+                    <a:ea typeface="+mn-ea"/>
+                    <a:cs typeface="Arial" panose="020B0604020202020204" pitchFamily="34" charset="0"/>
+                  </a:defRPr>
+                </a:pPr>
+                <a:r>
+                  <a:rPr lang="en-US"/>
+                  <a:t>Normalized peak area</a:t>
+                </a:r>
+              </a:p>
+            </c:rich>
+          </c:tx>
+          <c:overlay val="0"/>
+          <c:spPr>
+            <a:noFill/>
+            <a:ln>
+              <a:noFill/>
+            </a:ln>
+            <a:effectLst/>
+          </c:spPr>
+          <c:txPr>
+            <a:bodyPr rot="-5400000" spcFirstLastPara="1" vertOverflow="ellipsis" vert="horz" wrap="square" anchor="ctr" anchorCtr="1"/>
+            <a:lstStyle/>
+            <a:p>
+              <a:pPr>
+                <a:defRPr sz="1000" b="0" i="0" u="none" strike="noStrike" kern="1200" baseline="0">
+                  <a:solidFill>
+                    <a:sysClr val="windowText" lastClr="000000"/>
+                  </a:solidFill>
+                  <a:latin typeface="Arial" panose="020B0604020202020204" pitchFamily="34" charset="0"/>
+                  <a:ea typeface="+mn-ea"/>
+                  <a:cs typeface="Arial" panose="020B0604020202020204" pitchFamily="34" charset="0"/>
+                </a:defRPr>
+              </a:pPr>
+              <a:endParaRPr lang="en-US"/>
+            </a:p>
+          </c:txPr>
+        </c:title>
+        <c:numFmt formatCode="General" sourceLinked="1"/>
+        <c:majorTickMark val="none"/>
+        <c:minorTickMark val="none"/>
+        <c:tickLblPos val="nextTo"/>
+        <c:spPr>
+          <a:noFill/>
+          <a:ln>
+            <a:noFill/>
+          </a:ln>
+          <a:effectLst/>
+        </c:spPr>
+        <c:txPr>
+          <a:bodyPr rot="-60000000" spcFirstLastPara="1" vertOverflow="ellipsis" vert="horz" wrap="square" anchor="ctr" anchorCtr="1"/>
+          <a:lstStyle/>
+          <a:p>
+            <a:pPr>
+              <a:defRPr sz="900" b="0" i="0" u="none" strike="noStrike" kern="1200" baseline="0">
+                <a:solidFill>
+                  <a:sysClr val="windowText" lastClr="000000"/>
+                </a:solidFill>
+                <a:latin typeface="Arial" panose="020B0604020202020204" pitchFamily="34" charset="0"/>
+                <a:ea typeface="+mn-ea"/>
+                <a:cs typeface="Arial" panose="020B0604020202020204" pitchFamily="34" charset="0"/>
+              </a:defRPr>
+            </a:pPr>
+            <a:endParaRPr lang="en-US"/>
+          </a:p>
+        </c:txPr>
+        <c:crossAx val="360494584"/>
+        <c:crosses val="autoZero"/>
+        <c:crossBetween val="between"/>
+      </c:valAx>
+      <c:spPr>
+        <a:noFill/>
+        <a:ln>
+          <a:solidFill>
+            <a:schemeClr val="tx1"/>
+          </a:solidFill>
+        </a:ln>
+        <a:effectLst/>
+      </c:spPr>
+    </c:plotArea>
+    <c:plotVisOnly val="1"/>
+    <c:dispBlanksAs val="gap"/>
+    <c:showDLblsOverMax val="0"/>
+  </c:chart>
+  <c:spPr>
+    <a:solidFill>
+      <a:schemeClr val="bg1"/>
+    </a:solidFill>
+    <a:ln w="9525" cap="flat" cmpd="sng" algn="ctr">
+      <a:noFill/>
+      <a:round/>
+    </a:ln>
+    <a:effectLst/>
+  </c:spPr>
+  <c:txPr>
+    <a:bodyPr/>
+    <a:lstStyle/>
+    <a:p>
+      <a:pPr>
+        <a:defRPr>
+          <a:solidFill>
+            <a:sysClr val="windowText" lastClr="000000"/>
+          </a:solidFill>
+          <a:latin typeface="Arial" panose="020B0604020202020204" pitchFamily="34" charset="0"/>
+          <a:cs typeface="Arial" panose="020B0604020202020204" pitchFamily="34" charset="0"/>
+        </a:defRPr>
+      </a:pPr>
+      <a:endParaRPr lang="en-US"/>
+    </a:p>
+  </c:txPr>
+  <c:externalData r:id="rId3">
+    <c:autoUpdate val="0"/>
+  </c:externalData>
+</c:chartSpace>
+</file>
+
+<file path=ppt/charts/chart3.xml><?xml version="1.0" encoding="utf-8"?>
+<c:chartSpace xmlns:c="http://schemas.openxmlformats.org/drawingml/2006/chart" xmlns:a="http://schemas.openxmlformats.org/drawingml/2006/main" xmlns:r="http://schemas.openxmlformats.org/officeDocument/2006/relationships" xmlns:c16r2="http://schemas.microsoft.com/office/drawing/2015/06/chart">
+  <c:date1904 val="0"/>
+  <c:lang val="en-US"/>
+  <c:roundedCorners val="0"/>
+  <mc:AlternateContent xmlns:mc="http://schemas.openxmlformats.org/markup-compatibility/2006">
+    <mc:Choice xmlns:c14="http://schemas.microsoft.com/office/drawing/2007/8/2/chart" Requires="c14">
+      <c14:style val="102"/>
+    </mc:Choice>
+    <mc:Fallback>
+      <c:style val="2"/>
+    </mc:Fallback>
+  </mc:AlternateContent>
+  <c:chart>
+    <c:autoTitleDeleted val="1"/>
+    <c:plotArea>
+      <c:layout/>
+      <c:barChart>
+        <c:barDir val="col"/>
+        <c:grouping val="clustered"/>
+        <c:varyColors val="0"/>
+        <c:ser>
+          <c:idx val="0"/>
+          <c:order val="0"/>
+          <c:tx>
+            <c:v>Fed apigenin 100 uM</c:v>
+          </c:tx>
+          <c:spPr>
+            <a:solidFill>
+              <a:schemeClr val="accent1"/>
+            </a:solidFill>
+            <a:ln>
+              <a:noFill/>
+            </a:ln>
+            <a:effectLst/>
+          </c:spPr>
+          <c:invertIfNegative val="0"/>
+          <c:cat>
+            <c:strLit>
+              <c:ptCount val="1"/>
+              <c:pt idx="0">
+                <c:v>3</c:v>
+              </c:pt>
+              <c:extLst>
+                <c:ext xmlns:c15="http://schemas.microsoft.com/office/drawing/2012/chart" uri="{02D57815-91ED-43cb-92C2-25804820EDAC}">
+                  <c15:autoCat val="1"/>
+                </c:ext>
+              </c:extLst>
+            </c:strLit>
+          </c:cat>
+          <c:val>
+            <c:numRef>
+              <c:f>Sheet1!$N$3</c:f>
+              <c:numCache>
+                <c:formatCode>General</c:formatCode>
+                <c:ptCount val="1"/>
+                <c:pt idx="0">
+                  <c:v>4.6156541619697844</c:v>
+                </c:pt>
+              </c:numCache>
+              <c:extLst/>
+            </c:numRef>
+          </c:val>
+          <c:extLst>
+            <c:ext xmlns:c16="http://schemas.microsoft.com/office/drawing/2014/chart" uri="{C3380CC4-5D6E-409C-BE32-E72D297353CC}">
+              <c16:uniqueId val="{00000000-6BA8-44CA-B6EF-4995D9070659}"/>
+            </c:ext>
+          </c:extLst>
+        </c:ser>
+        <c:ser>
+          <c:idx val="1"/>
+          <c:order val="1"/>
+          <c:tx>
+            <c:v>Control</c:v>
+          </c:tx>
+          <c:spPr>
+            <a:solidFill>
+              <a:schemeClr val="accent2"/>
+            </a:solidFill>
+            <a:ln>
+              <a:noFill/>
+            </a:ln>
+            <a:effectLst/>
+          </c:spPr>
+          <c:invertIfNegative val="0"/>
+          <c:cat>
+            <c:strLit>
+              <c:ptCount val="1"/>
+              <c:pt idx="0">
+                <c:v>3</c:v>
+              </c:pt>
+              <c:extLst>
+                <c:ext xmlns:c15="http://schemas.microsoft.com/office/drawing/2012/chart" uri="{02D57815-91ED-43cb-92C2-25804820EDAC}">
+                  <c15:autoCat val="1"/>
+                </c:ext>
+              </c:extLst>
+            </c:strLit>
+          </c:cat>
+          <c:val>
+            <c:numRef>
+              <c:f>Sheet1!$N$9</c:f>
+              <c:numCache>
+                <c:formatCode>General</c:formatCode>
+                <c:ptCount val="1"/>
+                <c:pt idx="0">
+                  <c:v>2.9145592805390961</c:v>
+                </c:pt>
+              </c:numCache>
+              <c:extLst/>
+            </c:numRef>
+          </c:val>
+          <c:extLst>
+            <c:ext xmlns:c16="http://schemas.microsoft.com/office/drawing/2014/chart" uri="{C3380CC4-5D6E-409C-BE32-E72D297353CC}">
+              <c16:uniqueId val="{00000001-6BA8-44CA-B6EF-4995D9070659}"/>
+            </c:ext>
+          </c:extLst>
+        </c:ser>
+        <c:dLbls>
+          <c:showLegendKey val="0"/>
+          <c:showVal val="0"/>
+          <c:showCatName val="0"/>
+          <c:showSerName val="0"/>
+          <c:showPercent val="0"/>
+          <c:showBubbleSize val="0"/>
+        </c:dLbls>
+        <c:gapWidth val="219"/>
+        <c:overlap val="-27"/>
+        <c:axId val="360494584"/>
+        <c:axId val="360499832"/>
+      </c:barChart>
+      <c:catAx>
+        <c:axId val="360494584"/>
+        <c:scaling>
+          <c:orientation val="minMax"/>
+        </c:scaling>
+        <c:delete val="1"/>
+        <c:axPos val="b"/>
+        <c:title>
+          <c:tx>
+            <c:rich>
+              <a:bodyPr rot="0" spcFirstLastPara="1" vertOverflow="ellipsis" vert="horz" wrap="square" anchor="ctr" anchorCtr="1"/>
+              <a:lstStyle/>
+              <a:p>
+                <a:pPr>
+                  <a:defRPr sz="1000" b="0" i="0" u="none" strike="noStrike" kern="1200" baseline="0">
+                    <a:solidFill>
+                      <a:sysClr val="windowText" lastClr="000000"/>
+                    </a:solidFill>
+                    <a:latin typeface="Arial" panose="020B0604020202020204" pitchFamily="34" charset="0"/>
+                    <a:ea typeface="+mn-ea"/>
+                    <a:cs typeface="Arial" panose="020B0604020202020204" pitchFamily="34" charset="0"/>
+                  </a:defRPr>
+                </a:pPr>
+                <a:r>
+                  <a:rPr lang="en-US"/>
+                  <a:t>Isoscutellarin</a:t>
+                </a:r>
+              </a:p>
+            </c:rich>
+          </c:tx>
+          <c:overlay val="0"/>
+          <c:spPr>
+            <a:noFill/>
+            <a:ln>
+              <a:noFill/>
+            </a:ln>
+            <a:effectLst/>
+          </c:spPr>
+          <c:txPr>
+            <a:bodyPr rot="0" spcFirstLastPara="1" vertOverflow="ellipsis" vert="horz" wrap="square" anchor="ctr" anchorCtr="1"/>
+            <a:lstStyle/>
+            <a:p>
+              <a:pPr>
+                <a:defRPr sz="1000" b="0" i="0" u="none" strike="noStrike" kern="1200" baseline="0">
+                  <a:solidFill>
+                    <a:sysClr val="windowText" lastClr="000000"/>
+                  </a:solidFill>
+                  <a:latin typeface="Arial" panose="020B0604020202020204" pitchFamily="34" charset="0"/>
+                  <a:ea typeface="+mn-ea"/>
+                  <a:cs typeface="Arial" panose="020B0604020202020204" pitchFamily="34" charset="0"/>
+                </a:defRPr>
+              </a:pPr>
+              <a:endParaRPr lang="en-US"/>
+            </a:p>
+          </c:txPr>
+        </c:title>
+        <c:numFmt formatCode="General" sourceLinked="1"/>
+        <c:majorTickMark val="none"/>
+        <c:minorTickMark val="none"/>
+        <c:tickLblPos val="nextTo"/>
+        <c:crossAx val="360499832"/>
+        <c:crosses val="autoZero"/>
+        <c:auto val="1"/>
+        <c:lblAlgn val="ctr"/>
+        <c:lblOffset val="100"/>
+        <c:noMultiLvlLbl val="0"/>
+      </c:catAx>
+      <c:valAx>
+        <c:axId val="360499832"/>
+        <c:scaling>
+          <c:orientation val="minMax"/>
+        </c:scaling>
+        <c:delete val="0"/>
+        <c:axPos val="l"/>
+        <c:majorGridlines>
+          <c:spPr>
+            <a:ln w="9525" cap="flat" cmpd="sng" algn="ctr">
+              <a:solidFill>
+                <a:schemeClr val="tx1">
+                  <a:lumMod val="15000"/>
+                  <a:lumOff val="85000"/>
+                </a:schemeClr>
+              </a:solidFill>
+              <a:round/>
+            </a:ln>
+            <a:effectLst/>
+          </c:spPr>
+        </c:majorGridlines>
+        <c:title>
+          <c:tx>
+            <c:rich>
+              <a:bodyPr rot="-5400000" spcFirstLastPara="1" vertOverflow="ellipsis" vert="horz" wrap="square" anchor="ctr" anchorCtr="1"/>
+              <a:lstStyle/>
+              <a:p>
+                <a:pPr>
+                  <a:defRPr sz="1000" b="0" i="0" u="none" strike="noStrike" kern="1200" baseline="0">
+                    <a:solidFill>
+                      <a:sysClr val="windowText" lastClr="000000"/>
+                    </a:solidFill>
+                    <a:latin typeface="Arial" panose="020B0604020202020204" pitchFamily="34" charset="0"/>
+                    <a:ea typeface="+mn-ea"/>
+                    <a:cs typeface="Arial" panose="020B0604020202020204" pitchFamily="34" charset="0"/>
+                  </a:defRPr>
+                </a:pPr>
+                <a:r>
+                  <a:rPr lang="en-US"/>
+                  <a:t>Normalized peak area</a:t>
+                </a:r>
+              </a:p>
+            </c:rich>
+          </c:tx>
+          <c:overlay val="0"/>
+          <c:spPr>
+            <a:noFill/>
+            <a:ln>
+              <a:noFill/>
+            </a:ln>
+            <a:effectLst/>
+          </c:spPr>
+          <c:txPr>
+            <a:bodyPr rot="-5400000" spcFirstLastPara="1" vertOverflow="ellipsis" vert="horz" wrap="square" anchor="ctr" anchorCtr="1"/>
+            <a:lstStyle/>
+            <a:p>
+              <a:pPr>
+                <a:defRPr sz="1000" b="0" i="0" u="none" strike="noStrike" kern="1200" baseline="0">
+                  <a:solidFill>
+                    <a:sysClr val="windowText" lastClr="000000"/>
+                  </a:solidFill>
+                  <a:latin typeface="Arial" panose="020B0604020202020204" pitchFamily="34" charset="0"/>
+                  <a:ea typeface="+mn-ea"/>
+                  <a:cs typeface="Arial" panose="020B0604020202020204" pitchFamily="34" charset="0"/>
+                </a:defRPr>
+              </a:pPr>
+              <a:endParaRPr lang="en-US"/>
+            </a:p>
+          </c:txPr>
+        </c:title>
+        <c:numFmt formatCode="General" sourceLinked="1"/>
+        <c:majorTickMark val="none"/>
+        <c:minorTickMark val="none"/>
+        <c:tickLblPos val="nextTo"/>
+        <c:spPr>
+          <a:noFill/>
+          <a:ln>
+            <a:noFill/>
+          </a:ln>
+          <a:effectLst/>
+        </c:spPr>
+        <c:txPr>
+          <a:bodyPr rot="-60000000" spcFirstLastPara="1" vertOverflow="ellipsis" vert="horz" wrap="square" anchor="ctr" anchorCtr="1"/>
+          <a:lstStyle/>
+          <a:p>
+            <a:pPr>
+              <a:defRPr sz="900" b="0" i="0" u="none" strike="noStrike" kern="1200" baseline="0">
+                <a:solidFill>
+                  <a:sysClr val="windowText" lastClr="000000"/>
+                </a:solidFill>
+                <a:latin typeface="Arial" panose="020B0604020202020204" pitchFamily="34" charset="0"/>
+                <a:ea typeface="+mn-ea"/>
+                <a:cs typeface="Arial" panose="020B0604020202020204" pitchFamily="34" charset="0"/>
+              </a:defRPr>
+            </a:pPr>
+            <a:endParaRPr lang="en-US"/>
+          </a:p>
+        </c:txPr>
+        <c:crossAx val="360494584"/>
+        <c:crosses val="autoZero"/>
+        <c:crossBetween val="between"/>
+      </c:valAx>
+      <c:spPr>
+        <a:noFill/>
+        <a:ln>
+          <a:solidFill>
+            <a:schemeClr val="tx1"/>
+          </a:solidFill>
+        </a:ln>
+        <a:effectLst/>
+      </c:spPr>
+    </c:plotArea>
+    <c:plotVisOnly val="1"/>
+    <c:dispBlanksAs val="gap"/>
+    <c:showDLblsOverMax val="0"/>
+  </c:chart>
+  <c:spPr>
+    <a:solidFill>
+      <a:schemeClr val="bg1"/>
+    </a:solidFill>
+    <a:ln w="9525" cap="flat" cmpd="sng" algn="ctr">
+      <a:noFill/>
+      <a:round/>
+    </a:ln>
+    <a:effectLst/>
+  </c:spPr>
+  <c:txPr>
+    <a:bodyPr/>
+    <a:lstStyle/>
+    <a:p>
+      <a:pPr>
+        <a:defRPr>
+          <a:solidFill>
+            <a:sysClr val="windowText" lastClr="000000"/>
+          </a:solidFill>
+          <a:latin typeface="Arial" panose="020B0604020202020204" pitchFamily="34" charset="0"/>
+          <a:cs typeface="Arial" panose="020B0604020202020204" pitchFamily="34" charset="0"/>
+        </a:defRPr>
+      </a:pPr>
+      <a:endParaRPr lang="en-US"/>
+    </a:p>
+  </c:txPr>
+  <c:externalData r:id="rId3">
+    <c:autoUpdate val="0"/>
+  </c:externalData>
+</c:chartSpace>
+</file>
+
+<file path=ppt/charts/colors1.xml><?xml version="1.0" encoding="utf-8"?>
+<cs:colorStyle xmlns:cs="http://schemas.microsoft.com/office/drawing/2012/chartStyle" xmlns:a="http://schemas.openxmlformats.org/drawingml/2006/main" meth="cycle" id="10">
+  <a:schemeClr val="accent1"/>
+  <a:schemeClr val="accent2"/>
+  <a:schemeClr val="accent3"/>
+  <a:schemeClr val="accent4"/>
+  <a:schemeClr val="accent5"/>
+  <a:schemeClr val="accent6"/>
+  <cs:variation/>
+  <cs:variation>
+    <a:lumMod val="60000"/>
+  </cs:variation>
+  <cs:variation>
+    <a:lumMod val="80000"/>
+    <a:lumOff val="20000"/>
+  </cs:variation>
+  <cs:variation>
+    <a:lumMod val="80000"/>
+  </cs:variation>
+  <cs:variation>
+    <a:lumMod val="60000"/>
+    <a:lumOff val="40000"/>
+  </cs:variation>
+  <cs:variation>
+    <a:lumMod val="50000"/>
+  </cs:variation>
+  <cs:variation>
+    <a:lumMod val="70000"/>
+    <a:lumOff val="30000"/>
+  </cs:variation>
+  <cs:variation>
+    <a:lumMod val="70000"/>
+  </cs:variation>
+  <cs:variation>
+    <a:lumMod val="50000"/>
+    <a:lumOff val="50000"/>
+  </cs:variation>
+</cs:colorStyle>
+</file>
+
+<file path=ppt/charts/colors2.xml><?xml version="1.0" encoding="utf-8"?>
+<cs:colorStyle xmlns:cs="http://schemas.microsoft.com/office/drawing/2012/chartStyle" xmlns:a="http://schemas.openxmlformats.org/drawingml/2006/main" meth="cycle" id="10">
+  <a:schemeClr val="accent1"/>
+  <a:schemeClr val="accent2"/>
+  <a:schemeClr val="accent3"/>
+  <a:schemeClr val="accent4"/>
+  <a:schemeClr val="accent5"/>
+  <a:schemeClr val="accent6"/>
+  <cs:variation/>
+  <cs:variation>
+    <a:lumMod val="60000"/>
+  </cs:variation>
+  <cs:variation>
+    <a:lumMod val="80000"/>
+    <a:lumOff val="20000"/>
+  </cs:variation>
+  <cs:variation>
+    <a:lumMod val="80000"/>
+  </cs:variation>
+  <cs:variation>
+    <a:lumMod val="60000"/>
+    <a:lumOff val="40000"/>
+  </cs:variation>
+  <cs:variation>
+    <a:lumMod val="50000"/>
+  </cs:variation>
+  <cs:variation>
+    <a:lumMod val="70000"/>
+    <a:lumOff val="30000"/>
+  </cs:variation>
+  <cs:variation>
+    <a:lumMod val="70000"/>
+  </cs:variation>
+  <cs:variation>
+    <a:lumMod val="50000"/>
+    <a:lumOff val="50000"/>
+  </cs:variation>
+</cs:colorStyle>
+</file>
+
+<file path=ppt/charts/colors3.xml><?xml version="1.0" encoding="utf-8"?>
+<cs:colorStyle xmlns:cs="http://schemas.microsoft.com/office/drawing/2012/chartStyle" xmlns:a="http://schemas.openxmlformats.org/drawingml/2006/main" meth="cycle" id="10">
+  <a:schemeClr val="accent1"/>
+  <a:schemeClr val="accent2"/>
+  <a:schemeClr val="accent3"/>
+  <a:schemeClr val="accent4"/>
+  <a:schemeClr val="accent5"/>
+  <a:schemeClr val="accent6"/>
+  <cs:variation/>
+  <cs:variation>
+    <a:lumMod val="60000"/>
+  </cs:variation>
+  <cs:variation>
+    <a:lumMod val="80000"/>
+    <a:lumOff val="20000"/>
+  </cs:variation>
+  <cs:variation>
+    <a:lumMod val="80000"/>
+  </cs:variation>
+  <cs:variation>
+    <a:lumMod val="60000"/>
+    <a:lumOff val="40000"/>
+  </cs:variation>
+  <cs:variation>
+    <a:lumMod val="50000"/>
+  </cs:variation>
+  <cs:variation>
+    <a:lumMod val="70000"/>
+    <a:lumOff val="30000"/>
+  </cs:variation>
+  <cs:variation>
+    <a:lumMod val="70000"/>
+  </cs:variation>
+  <cs:variation>
+    <a:lumMod val="50000"/>
+    <a:lumOff val="50000"/>
+  </cs:variation>
+</cs:colorStyle>
+</file>
+
+<file path=ppt/charts/style1.xml><?xml version="1.0" encoding="utf-8"?>
+<cs:chartStyle xmlns:cs="http://schemas.microsoft.com/office/drawing/2012/chartStyle" xmlns:a="http://schemas.openxmlformats.org/drawingml/2006/main" id="201">
+  <cs:axisTitle>
+    <cs:lnRef idx="0"/>
+    <cs:fillRef idx="0"/>
+    <cs:effectRef idx="0"/>
+    <cs:fontRef idx="minor">
+      <a:schemeClr val="tx1">
+        <a:lumMod val="65000"/>
+        <a:lumOff val="35000"/>
+      </a:schemeClr>
+    </cs:fontRef>
+    <cs:defRPr sz="1000" kern="1200"/>
+  </cs:axisTitle>
+  <cs:categoryAxis>
+    <cs:lnRef idx="0"/>
+    <cs:fillRef idx="0"/>
+    <cs:effectRef idx="0"/>
+    <cs:fontRef idx="minor">
+      <a:schemeClr val="tx1">
+        <a:lumMod val="65000"/>
+        <a:lumOff val="35000"/>
+      </a:schemeClr>
+    </cs:fontRef>
+    <cs:spPr>
+      <a:ln w="9525" cap="flat" cmpd="sng" algn="ctr">
+        <a:solidFill>
+          <a:schemeClr val="tx1">
+            <a:lumMod val="15000"/>
+            <a:lumOff val="85000"/>
+          </a:schemeClr>
+        </a:solidFill>
+        <a:round/>
+      </a:ln>
+    </cs:spPr>
+    <cs:defRPr sz="900" kern="1200"/>
+  </cs:categoryAxis>
+  <cs:chartArea mods="allowNoFillOverride allowNoLineOverride">
+    <cs:lnRef idx="0"/>
+    <cs:fillRef idx="0"/>
+    <cs:effectRef idx="0"/>
+    <cs:fontRef idx="minor">
+      <a:schemeClr val="tx1"/>
+    </cs:fontRef>
+    <cs:spPr>
+      <a:solidFill>
+        <a:schemeClr val="bg1"/>
+      </a:solidFill>
+      <a:ln w="9525" cap="flat" cmpd="sng" algn="ctr">
+        <a:solidFill>
+          <a:schemeClr val="tx1">
+            <a:lumMod val="15000"/>
+            <a:lumOff val="85000"/>
+          </a:schemeClr>
+        </a:solidFill>
+        <a:round/>
+      </a:ln>
+    </cs:spPr>
+    <cs:defRPr sz="1000" kern="1200"/>
+  </cs:chartArea>
+  <cs:dataLabel>
+    <cs:lnRef idx="0"/>
+    <cs:fillRef idx="0"/>
+    <cs:effectRef idx="0"/>
+    <cs:fontRef idx="minor">
+      <a:schemeClr val="tx1">
+        <a:lumMod val="75000"/>
+        <a:lumOff val="25000"/>
+      </a:schemeClr>
+    </cs:fontRef>
+    <cs:defRPr sz="900" kern="1200"/>
+  </cs:dataLabel>
+  <cs:dataLabelCallout>
+    <cs:lnRef idx="0"/>
+    <cs:fillRef idx="0"/>
+    <cs:effectRef idx="0"/>
+    <cs:fontRef idx="minor">
+      <a:schemeClr val="dk1">
+        <a:lumMod val="65000"/>
+        <a:lumOff val="35000"/>
+      </a:schemeClr>
+    </cs:fontRef>
+    <cs:spPr>
+      <a:solidFill>
+        <a:schemeClr val="lt1"/>
+      </a:solidFill>
+      <a:ln>
+        <a:solidFill>
+          <a:schemeClr val="dk1">
+            <a:lumMod val="25000"/>
+            <a:lumOff val="75000"/>
+          </a:schemeClr>
+        </a:solidFill>
+      </a:ln>
+    </cs:spPr>
+    <cs:defRPr sz="900" kern="1200"/>
+    <cs:bodyPr rot="0" spcFirstLastPara="1" vertOverflow="clip" horzOverflow="clip" vert="horz" wrap="square" lIns="36576" tIns="18288" rIns="36576" bIns="18288" anchor="ctr" anchorCtr="1">
+      <a:spAutoFit/>
+    </cs:bodyPr>
+  </cs:dataLabelCallout>
+  <cs:dataPoint>
+    <cs:lnRef idx="0"/>
+    <cs:fillRef idx="1">
+      <cs:styleClr val="auto"/>
+    </cs:fillRef>
+    <cs:effectRef idx="0"/>
+    <cs:fontRef idx="minor">
+      <a:schemeClr val="tx1"/>
+    </cs:fontRef>
+  </cs:dataPoint>
+  <cs:dataPoint3D>
+    <cs:lnRef idx="0"/>
+    <cs:fillRef idx="1">
+      <cs:styleClr val="auto"/>
+    </cs:fillRef>
+    <cs:effectRef idx="0"/>
+    <cs:fontRef idx="minor">
+      <a:schemeClr val="tx1"/>
+    </cs:fontRef>
+  </cs:dataPoint3D>
+  <cs:dataPointLine>
+    <cs:lnRef idx="0">
+      <cs:styleClr val="auto"/>
+    </cs:lnRef>
+    <cs:fillRef idx="1"/>
+    <cs:effectRef idx="0"/>
+    <cs:fontRef idx="minor">
+      <a:schemeClr val="tx1"/>
+    </cs:fontRef>
+    <cs:spPr>
+      <a:ln w="28575" cap="rnd">
+        <a:solidFill>
+          <a:schemeClr val="phClr"/>
+        </a:solidFill>
+        <a:round/>
+      </a:ln>
+    </cs:spPr>
+  </cs:dataPointLine>
+  <cs:dataPointMarker>
+    <cs:lnRef idx="0">
+      <cs:styleClr val="auto"/>
+    </cs:lnRef>
+    <cs:fillRef idx="1">
+      <cs:styleClr val="auto"/>
+    </cs:fillRef>
+    <cs:effectRef idx="0"/>
+    <cs:fontRef idx="minor">
+      <a:schemeClr val="tx1"/>
+    </cs:fontRef>
+    <cs:spPr>
+      <a:ln w="9525">
+        <a:solidFill>
+          <a:schemeClr val="phClr"/>
+        </a:solidFill>
+      </a:ln>
+    </cs:spPr>
+  </cs:dataPointMarker>
+  <cs:dataPointMarkerLayout symbol="circle" size="5"/>
+  <cs:dataPointWireframe>
+    <cs:lnRef idx="0">
+      <cs:styleClr val="auto"/>
+    </cs:lnRef>
+    <cs:fillRef idx="1"/>
+    <cs:effectRef idx="0"/>
+    <cs:fontRef idx="minor">
+      <a:schemeClr val="tx1"/>
+    </cs:fontRef>
+    <cs:spPr>
+      <a:ln w="9525" cap="rnd">
+        <a:solidFill>
+          <a:schemeClr val="phClr"/>
+        </a:solidFill>
+        <a:round/>
+      </a:ln>
+    </cs:spPr>
+  </cs:dataPointWireframe>
+  <cs:dataTable>
+    <cs:lnRef idx="0"/>
+    <cs:fillRef idx="0"/>
+    <cs:effectRef idx="0"/>
+    <cs:fontRef idx="minor">
+      <a:schemeClr val="tx1">
+        <a:lumMod val="65000"/>
+        <a:lumOff val="35000"/>
+      </a:schemeClr>
+    </cs:fontRef>
+    <cs:spPr>
+      <a:noFill/>
+      <a:ln w="9525" cap="flat" cmpd="sng" algn="ctr">
+        <a:solidFill>
+          <a:schemeClr val="tx1">
+            <a:lumMod val="15000"/>
+            <a:lumOff val="85000"/>
+          </a:schemeClr>
+        </a:solidFill>
+        <a:round/>
+      </a:ln>
+    </cs:spPr>
+    <cs:defRPr sz="900" kern="1200"/>
+  </cs:dataTable>
+  <cs:downBar>
+    <cs:lnRef idx="0"/>
+    <cs:fillRef idx="0"/>
+    <cs:effectRef idx="0"/>
+    <cs:fontRef idx="minor">
+      <a:schemeClr val="dk1"/>
+    </cs:fontRef>
+    <cs:spPr>
+      <a:solidFill>
+        <a:schemeClr val="dk1">
+          <a:lumMod val="65000"/>
+          <a:lumOff val="35000"/>
+        </a:schemeClr>
+      </a:solidFill>
+      <a:ln w="9525">
+        <a:solidFill>
+          <a:schemeClr val="tx1">
+            <a:lumMod val="65000"/>
+            <a:lumOff val="35000"/>
+          </a:schemeClr>
+        </a:solidFill>
+      </a:ln>
+    </cs:spPr>
+  </cs:downBar>
+  <cs:dropLine>
+    <cs:lnRef idx="0"/>
+    <cs:fillRef idx="0"/>
+    <cs:effectRef idx="0"/>
+    <cs:fontRef idx="minor">
+      <a:schemeClr val="tx1"/>
+    </cs:fontRef>
+    <cs:spPr>
+      <a:ln w="9525" cap="flat" cmpd="sng" algn="ctr">
+        <a:solidFill>
+          <a:schemeClr val="tx1">
+            <a:lumMod val="35000"/>
+            <a:lumOff val="65000"/>
+          </a:schemeClr>
+        </a:solidFill>
+        <a:round/>
+      </a:ln>
+    </cs:spPr>
+  </cs:dropLine>
+  <cs:errorBar>
+    <cs:lnRef idx="0"/>
+    <cs:fillRef idx="0"/>
+    <cs:effectRef idx="0"/>
+    <cs:fontRef idx="minor">
+      <a:schemeClr val="tx1"/>
+    </cs:fontRef>
+    <cs:spPr>
+      <a:ln w="9525" cap="flat" cmpd="sng" algn="ctr">
+        <a:solidFill>
+          <a:schemeClr val="tx1">
+            <a:lumMod val="65000"/>
+            <a:lumOff val="35000"/>
+          </a:schemeClr>
+        </a:solidFill>
+        <a:round/>
+      </a:ln>
+    </cs:spPr>
+  </cs:errorBar>
+  <cs:floor>
+    <cs:lnRef idx="0"/>
+    <cs:fillRef idx="0"/>
+    <cs:effectRef idx="0"/>
+    <cs:fontRef idx="minor">
+      <a:schemeClr val="tx1"/>
+    </cs:fontRef>
+    <cs:spPr>
+      <a:noFill/>
+      <a:ln>
+        <a:noFill/>
+      </a:ln>
+    </cs:spPr>
+  </cs:floor>
+  <cs:gridlineMajor>
+    <cs:lnRef idx="0"/>
+    <cs:fillRef idx="0"/>
+    <cs:effectRef idx="0"/>
+    <cs:fontRef idx="minor">
+      <a:schemeClr val="tx1"/>
+    </cs:fontRef>
+    <cs:spPr>
+      <a:ln w="9525" cap="flat" cmpd="sng" algn="ctr">
+        <a:solidFill>
+          <a:schemeClr val="tx1">
+            <a:lumMod val="15000"/>
+            <a:lumOff val="85000"/>
+          </a:schemeClr>
+        </a:solidFill>
+        <a:round/>
+      </a:ln>
+    </cs:spPr>
+  </cs:gridlineMajor>
+  <cs:gridlineMinor>
+    <cs:lnRef idx="0"/>
+    <cs:fillRef idx="0"/>
+    <cs:effectRef idx="0"/>
+    <cs:fontRef idx="minor">
+      <a:schemeClr val="tx1"/>
+    </cs:fontRef>
+    <cs:spPr>
+      <a:ln w="9525" cap="flat" cmpd="sng" algn="ctr">
+        <a:solidFill>
+          <a:schemeClr val="tx1">
+            <a:lumMod val="5000"/>
+            <a:lumOff val="95000"/>
+          </a:schemeClr>
+        </a:solidFill>
+        <a:round/>
+      </a:ln>
+    </cs:spPr>
+  </cs:gridlineMinor>
+  <cs:hiLoLine>
+    <cs:lnRef idx="0"/>
+    <cs:fillRef idx="0"/>
+    <cs:effectRef idx="0"/>
+    <cs:fontRef idx="minor">
+      <a:schemeClr val="tx1"/>
+    </cs:fontRef>
+    <cs:spPr>
+      <a:ln w="9525" cap="flat" cmpd="sng" algn="ctr">
+        <a:solidFill>
+          <a:schemeClr val="tx1">
+            <a:lumMod val="75000"/>
+            <a:lumOff val="25000"/>
+          </a:schemeClr>
+        </a:solidFill>
+        <a:round/>
+      </a:ln>
+    </cs:spPr>
+  </cs:hiLoLine>
+  <cs:leaderLine>
+    <cs:lnRef idx="0"/>
+    <cs:fillRef idx="0"/>
+    <cs:effectRef idx="0"/>
+    <cs:fontRef idx="minor">
+      <a:schemeClr val="tx1"/>
+    </cs:fontRef>
+    <cs:spPr>
+      <a:ln w="9525" cap="flat" cmpd="sng" algn="ctr">
+        <a:solidFill>
+          <a:schemeClr val="tx1">
+            <a:lumMod val="35000"/>
+            <a:lumOff val="65000"/>
+          </a:schemeClr>
+        </a:solidFill>
+        <a:round/>
+      </a:ln>
+    </cs:spPr>
+  </cs:leaderLine>
+  <cs:legend>
+    <cs:lnRef idx="0"/>
+    <cs:fillRef idx="0"/>
+    <cs:effectRef idx="0"/>
+    <cs:fontRef idx="minor">
+      <a:schemeClr val="tx1">
+        <a:lumMod val="65000"/>
+        <a:lumOff val="35000"/>
+      </a:schemeClr>
+    </cs:fontRef>
+    <cs:defRPr sz="900" kern="1200"/>
+  </cs:legend>
+  <cs:plotArea mods="allowNoFillOverride allowNoLineOverride">
+    <cs:lnRef idx="0"/>
+    <cs:fillRef idx="0"/>
+    <cs:effectRef idx="0"/>
+    <cs:fontRef idx="minor">
+      <a:schemeClr val="tx1"/>
+    </cs:fontRef>
+  </cs:plotArea>
+  <cs:plotArea3D mods="allowNoFillOverride allowNoLineOverride">
+    <cs:lnRef idx="0"/>
+    <cs:fillRef idx="0"/>
+    <cs:effectRef idx="0"/>
+    <cs:fontRef idx="minor">
+      <a:schemeClr val="tx1"/>
+    </cs:fontRef>
+  </cs:plotArea3D>
+  <cs:seriesAxis>
+    <cs:lnRef idx="0"/>
+    <cs:fillRef idx="0"/>
+    <cs:effectRef idx="0"/>
+    <cs:fontRef idx="minor">
+      <a:schemeClr val="tx1">
+        <a:lumMod val="65000"/>
+        <a:lumOff val="35000"/>
+      </a:schemeClr>
+    </cs:fontRef>
+    <cs:defRPr sz="900" kern="1200"/>
+  </cs:seriesAxis>
+  <cs:seriesLine>
+    <cs:lnRef idx="0"/>
+    <cs:fillRef idx="0"/>
+    <cs:effectRef idx="0"/>
+    <cs:fontRef idx="minor">
+      <a:schemeClr val="tx1"/>
+    </cs:fontRef>
+    <cs:spPr>
+      <a:ln w="9525" cap="flat" cmpd="sng" algn="ctr">
+        <a:solidFill>
+          <a:schemeClr val="tx1">
+            <a:lumMod val="35000"/>
+            <a:lumOff val="65000"/>
+          </a:schemeClr>
+        </a:solidFill>
+        <a:round/>
+      </a:ln>
+    </cs:spPr>
+  </cs:seriesLine>
+  <cs:title>
+    <cs:lnRef idx="0"/>
+    <cs:fillRef idx="0"/>
+    <cs:effectRef idx="0"/>
+    <cs:fontRef idx="minor">
+      <a:schemeClr val="tx1">
+        <a:lumMod val="65000"/>
+        <a:lumOff val="35000"/>
+      </a:schemeClr>
+    </cs:fontRef>
+    <cs:defRPr sz="1400" b="0" kern="1200" spc="0" baseline="0"/>
+  </cs:title>
+  <cs:trendline>
+    <cs:lnRef idx="0">
+      <cs:styleClr val="auto"/>
+    </cs:lnRef>
+    <cs:fillRef idx="0"/>
+    <cs:effectRef idx="0"/>
+    <cs:fontRef idx="minor">
+      <a:schemeClr val="tx1"/>
+    </cs:fontRef>
+    <cs:spPr>
+      <a:ln w="19050" cap="rnd">
+        <a:solidFill>
+          <a:schemeClr val="phClr"/>
+        </a:solidFill>
+        <a:prstDash val="sysDot"/>
+      </a:ln>
+    </cs:spPr>
+  </cs:trendline>
+  <cs:trendlineLabel>
+    <cs:lnRef idx="0"/>
+    <cs:fillRef idx="0"/>
+    <cs:effectRef idx="0"/>
+    <cs:fontRef idx="minor">
+      <a:schemeClr val="tx1">
+        <a:lumMod val="65000"/>
+        <a:lumOff val="35000"/>
+      </a:schemeClr>
+    </cs:fontRef>
+    <cs:defRPr sz="900" kern="1200"/>
+  </cs:trendlineLabel>
+  <cs:upBar>
+    <cs:lnRef idx="0"/>
+    <cs:fillRef idx="0"/>
+    <cs:effectRef idx="0"/>
+    <cs:fontRef idx="minor">
+      <a:schemeClr val="dk1"/>
+    </cs:fontRef>
+    <cs:spPr>
+      <a:solidFill>
+        <a:schemeClr val="lt1"/>
+      </a:solidFill>
+      <a:ln w="9525">
+        <a:solidFill>
+          <a:schemeClr val="tx1">
+            <a:lumMod val="15000"/>
+            <a:lumOff val="85000"/>
+          </a:schemeClr>
+        </a:solidFill>
+      </a:ln>
+    </cs:spPr>
+  </cs:upBar>
+  <cs:valueAxis>
+    <cs:lnRef idx="0"/>
+    <cs:fillRef idx="0"/>
+    <cs:effectRef idx="0"/>
+    <cs:fontRef idx="minor">
+      <a:schemeClr val="tx1">
+        <a:lumMod val="65000"/>
+        <a:lumOff val="35000"/>
+      </a:schemeClr>
+    </cs:fontRef>
+    <cs:defRPr sz="900" kern="1200"/>
+  </cs:valueAxis>
+  <cs:wall>
+    <cs:lnRef idx="0"/>
+    <cs:fillRef idx="0"/>
+    <cs:effectRef idx="0"/>
+    <cs:fontRef idx="minor">
+      <a:schemeClr val="tx1"/>
+    </cs:fontRef>
+    <cs:spPr>
+      <a:noFill/>
+      <a:ln>
+        <a:noFill/>
+      </a:ln>
+    </cs:spPr>
+  </cs:wall>
+</cs:chartStyle>
+</file>
+
+<file path=ppt/charts/style2.xml><?xml version="1.0" encoding="utf-8"?>
+<cs:chartStyle xmlns:cs="http://schemas.microsoft.com/office/drawing/2012/chartStyle" xmlns:a="http://schemas.openxmlformats.org/drawingml/2006/main" id="201">
+  <cs:axisTitle>
+    <cs:lnRef idx="0"/>
+    <cs:fillRef idx="0"/>
+    <cs:effectRef idx="0"/>
+    <cs:fontRef idx="minor">
+      <a:schemeClr val="tx1">
+        <a:lumMod val="65000"/>
+        <a:lumOff val="35000"/>
+      </a:schemeClr>
+    </cs:fontRef>
+    <cs:defRPr sz="1000" kern="1200"/>
+  </cs:axisTitle>
+  <cs:categoryAxis>
+    <cs:lnRef idx="0"/>
+    <cs:fillRef idx="0"/>
+    <cs:effectRef idx="0"/>
+    <cs:fontRef idx="minor">
+      <a:schemeClr val="tx1">
+        <a:lumMod val="65000"/>
+        <a:lumOff val="35000"/>
+      </a:schemeClr>
+    </cs:fontRef>
+    <cs:spPr>
+      <a:ln w="9525" cap="flat" cmpd="sng" algn="ctr">
+        <a:solidFill>
+          <a:schemeClr val="tx1">
+            <a:lumMod val="15000"/>
+            <a:lumOff val="85000"/>
+          </a:schemeClr>
+        </a:solidFill>
+        <a:round/>
+      </a:ln>
+    </cs:spPr>
+    <cs:defRPr sz="900" kern="1200"/>
+  </cs:categoryAxis>
+  <cs:chartArea mods="allowNoFillOverride allowNoLineOverride">
+    <cs:lnRef idx="0"/>
+    <cs:fillRef idx="0"/>
+    <cs:effectRef idx="0"/>
+    <cs:fontRef idx="minor">
+      <a:schemeClr val="tx1"/>
+    </cs:fontRef>
+    <cs:spPr>
+      <a:solidFill>
+        <a:schemeClr val="bg1"/>
+      </a:solidFill>
+      <a:ln w="9525" cap="flat" cmpd="sng" algn="ctr">
+        <a:solidFill>
+          <a:schemeClr val="tx1">
+            <a:lumMod val="15000"/>
+            <a:lumOff val="85000"/>
+          </a:schemeClr>
+        </a:solidFill>
+        <a:round/>
+      </a:ln>
+    </cs:spPr>
+    <cs:defRPr sz="1000" kern="1200"/>
+  </cs:chartArea>
+  <cs:dataLabel>
+    <cs:lnRef idx="0"/>
+    <cs:fillRef idx="0"/>
+    <cs:effectRef idx="0"/>
+    <cs:fontRef idx="minor">
+      <a:schemeClr val="tx1">
+        <a:lumMod val="75000"/>
+        <a:lumOff val="25000"/>
+      </a:schemeClr>
+    </cs:fontRef>
+    <cs:defRPr sz="900" kern="1200"/>
+  </cs:dataLabel>
+  <cs:dataLabelCallout>
+    <cs:lnRef idx="0"/>
+    <cs:fillRef idx="0"/>
+    <cs:effectRef idx="0"/>
+    <cs:fontRef idx="minor">
+      <a:schemeClr val="dk1">
+        <a:lumMod val="65000"/>
+        <a:lumOff val="35000"/>
+      </a:schemeClr>
+    </cs:fontRef>
+    <cs:spPr>
+      <a:solidFill>
+        <a:schemeClr val="lt1"/>
+      </a:solidFill>
+      <a:ln>
+        <a:solidFill>
+          <a:schemeClr val="dk1">
+            <a:lumMod val="25000"/>
+            <a:lumOff val="75000"/>
+          </a:schemeClr>
+        </a:solidFill>
+      </a:ln>
+    </cs:spPr>
+    <cs:defRPr sz="900" kern="1200"/>
+    <cs:bodyPr rot="0" spcFirstLastPara="1" vertOverflow="clip" horzOverflow="clip" vert="horz" wrap="square" lIns="36576" tIns="18288" rIns="36576" bIns="18288" anchor="ctr" anchorCtr="1">
+      <a:spAutoFit/>
+    </cs:bodyPr>
+  </cs:dataLabelCallout>
+  <cs:dataPoint>
+    <cs:lnRef idx="0"/>
+    <cs:fillRef idx="1">
+      <cs:styleClr val="auto"/>
+    </cs:fillRef>
+    <cs:effectRef idx="0"/>
+    <cs:fontRef idx="minor">
+      <a:schemeClr val="tx1"/>
+    </cs:fontRef>
+  </cs:dataPoint>
+  <cs:dataPoint3D>
+    <cs:lnRef idx="0"/>
+    <cs:fillRef idx="1">
+      <cs:styleClr val="auto"/>
+    </cs:fillRef>
+    <cs:effectRef idx="0"/>
+    <cs:fontRef idx="minor">
+      <a:schemeClr val="tx1"/>
+    </cs:fontRef>
+  </cs:dataPoint3D>
+  <cs:dataPointLine>
+    <cs:lnRef idx="0">
+      <cs:styleClr val="auto"/>
+    </cs:lnRef>
+    <cs:fillRef idx="1"/>
+    <cs:effectRef idx="0"/>
+    <cs:fontRef idx="minor">
+      <a:schemeClr val="tx1"/>
+    </cs:fontRef>
+    <cs:spPr>
+      <a:ln w="28575" cap="rnd">
+        <a:solidFill>
+          <a:schemeClr val="phClr"/>
+        </a:solidFill>
+        <a:round/>
+      </a:ln>
+    </cs:spPr>
+  </cs:dataPointLine>
+  <cs:dataPointMarker>
+    <cs:lnRef idx="0">
+      <cs:styleClr val="auto"/>
+    </cs:lnRef>
+    <cs:fillRef idx="1">
+      <cs:styleClr val="auto"/>
+    </cs:fillRef>
+    <cs:effectRef idx="0"/>
+    <cs:fontRef idx="minor">
+      <a:schemeClr val="tx1"/>
+    </cs:fontRef>
+    <cs:spPr>
+      <a:ln w="9525">
+        <a:solidFill>
+          <a:schemeClr val="phClr"/>
+        </a:solidFill>
+      </a:ln>
+    </cs:spPr>
+  </cs:dataPointMarker>
+  <cs:dataPointMarkerLayout symbol="circle" size="5"/>
+  <cs:dataPointWireframe>
+    <cs:lnRef idx="0">
+      <cs:styleClr val="auto"/>
+    </cs:lnRef>
+    <cs:fillRef idx="1"/>
+    <cs:effectRef idx="0"/>
+    <cs:fontRef idx="minor">
+      <a:schemeClr val="tx1"/>
+    </cs:fontRef>
+    <cs:spPr>
+      <a:ln w="9525" cap="rnd">
+        <a:solidFill>
+          <a:schemeClr val="phClr"/>
+        </a:solidFill>
+        <a:round/>
+      </a:ln>
+    </cs:spPr>
+  </cs:dataPointWireframe>
+  <cs:dataTable>
+    <cs:lnRef idx="0"/>
+    <cs:fillRef idx="0"/>
+    <cs:effectRef idx="0"/>
+    <cs:fontRef idx="minor">
+      <a:schemeClr val="tx1">
+        <a:lumMod val="65000"/>
+        <a:lumOff val="35000"/>
+      </a:schemeClr>
+    </cs:fontRef>
+    <cs:spPr>
+      <a:noFill/>
+      <a:ln w="9525" cap="flat" cmpd="sng" algn="ctr">
+        <a:solidFill>
+          <a:schemeClr val="tx1">
+            <a:lumMod val="15000"/>
+            <a:lumOff val="85000"/>
+          </a:schemeClr>
+        </a:solidFill>
+        <a:round/>
+      </a:ln>
+    </cs:spPr>
+    <cs:defRPr sz="900" kern="1200"/>
+  </cs:dataTable>
+  <cs:downBar>
+    <cs:lnRef idx="0"/>
+    <cs:fillRef idx="0"/>
+    <cs:effectRef idx="0"/>
+    <cs:fontRef idx="minor">
+      <a:schemeClr val="dk1"/>
+    </cs:fontRef>
+    <cs:spPr>
+      <a:solidFill>
+        <a:schemeClr val="dk1">
+          <a:lumMod val="65000"/>
+          <a:lumOff val="35000"/>
+        </a:schemeClr>
+      </a:solidFill>
+      <a:ln w="9525">
+        <a:solidFill>
+          <a:schemeClr val="tx1">
+            <a:lumMod val="65000"/>
+            <a:lumOff val="35000"/>
+          </a:schemeClr>
+        </a:solidFill>
+      </a:ln>
+    </cs:spPr>
+  </cs:downBar>
+  <cs:dropLine>
+    <cs:lnRef idx="0"/>
+    <cs:fillRef idx="0"/>
+    <cs:effectRef idx="0"/>
+    <cs:fontRef idx="minor">
+      <a:schemeClr val="tx1"/>
+    </cs:fontRef>
+    <cs:spPr>
+      <a:ln w="9525" cap="flat" cmpd="sng" algn="ctr">
+        <a:solidFill>
+          <a:schemeClr val="tx1">
+            <a:lumMod val="35000"/>
+            <a:lumOff val="65000"/>
+          </a:schemeClr>
+        </a:solidFill>
+        <a:round/>
+      </a:ln>
+    </cs:spPr>
+  </cs:dropLine>
+  <cs:errorBar>
+    <cs:lnRef idx="0"/>
+    <cs:fillRef idx="0"/>
+    <cs:effectRef idx="0"/>
+    <cs:fontRef idx="minor">
+      <a:schemeClr val="tx1"/>
+    </cs:fontRef>
+    <cs:spPr>
+      <a:ln w="9525" cap="flat" cmpd="sng" algn="ctr">
+        <a:solidFill>
+          <a:schemeClr val="tx1">
+            <a:lumMod val="65000"/>
+            <a:lumOff val="35000"/>
+          </a:schemeClr>
+        </a:solidFill>
+        <a:round/>
+      </a:ln>
+    </cs:spPr>
+  </cs:errorBar>
+  <cs:floor>
+    <cs:lnRef idx="0"/>
+    <cs:fillRef idx="0"/>
+    <cs:effectRef idx="0"/>
+    <cs:fontRef idx="minor">
+      <a:schemeClr val="tx1"/>
+    </cs:fontRef>
+    <cs:spPr>
+      <a:noFill/>
+      <a:ln>
+        <a:noFill/>
+      </a:ln>
+    </cs:spPr>
+  </cs:floor>
+  <cs:gridlineMajor>
+    <cs:lnRef idx="0"/>
+    <cs:fillRef idx="0"/>
+    <cs:effectRef idx="0"/>
+    <cs:fontRef idx="minor">
+      <a:schemeClr val="tx1"/>
+    </cs:fontRef>
+    <cs:spPr>
+      <a:ln w="9525" cap="flat" cmpd="sng" algn="ctr">
+        <a:solidFill>
+          <a:schemeClr val="tx1">
+            <a:lumMod val="15000"/>
+            <a:lumOff val="85000"/>
+          </a:schemeClr>
+        </a:solidFill>
+        <a:round/>
+      </a:ln>
+    </cs:spPr>
+  </cs:gridlineMajor>
+  <cs:gridlineMinor>
+    <cs:lnRef idx="0"/>
+    <cs:fillRef idx="0"/>
+    <cs:effectRef idx="0"/>
+    <cs:fontRef idx="minor">
+      <a:schemeClr val="tx1"/>
+    </cs:fontRef>
+    <cs:spPr>
+      <a:ln w="9525" cap="flat" cmpd="sng" algn="ctr">
+        <a:solidFill>
+          <a:schemeClr val="tx1">
+            <a:lumMod val="5000"/>
+            <a:lumOff val="95000"/>
+          </a:schemeClr>
+        </a:solidFill>
+        <a:round/>
+      </a:ln>
+    </cs:spPr>
+  </cs:gridlineMinor>
+  <cs:hiLoLine>
+    <cs:lnRef idx="0"/>
+    <cs:fillRef idx="0"/>
+    <cs:effectRef idx="0"/>
+    <cs:fontRef idx="minor">
+      <a:schemeClr val="tx1"/>
+    </cs:fontRef>
+    <cs:spPr>
+      <a:ln w="9525" cap="flat" cmpd="sng" algn="ctr">
+        <a:solidFill>
+          <a:schemeClr val="tx1">
+            <a:lumMod val="75000"/>
+            <a:lumOff val="25000"/>
+          </a:schemeClr>
+        </a:solidFill>
+        <a:round/>
+      </a:ln>
+    </cs:spPr>
+  </cs:hiLoLine>
+  <cs:leaderLine>
+    <cs:lnRef idx="0"/>
+    <cs:fillRef idx="0"/>
+    <cs:effectRef idx="0"/>
+    <cs:fontRef idx="minor">
+      <a:schemeClr val="tx1"/>
+    </cs:fontRef>
+    <cs:spPr>
+      <a:ln w="9525" cap="flat" cmpd="sng" algn="ctr">
+        <a:solidFill>
+          <a:schemeClr val="tx1">
+            <a:lumMod val="35000"/>
+            <a:lumOff val="65000"/>
+          </a:schemeClr>
+        </a:solidFill>
+        <a:round/>
+      </a:ln>
+    </cs:spPr>
+  </cs:leaderLine>
+  <cs:legend>
+    <cs:lnRef idx="0"/>
+    <cs:fillRef idx="0"/>
+    <cs:effectRef idx="0"/>
+    <cs:fontRef idx="minor">
+      <a:schemeClr val="tx1">
+        <a:lumMod val="65000"/>
+        <a:lumOff val="35000"/>
+      </a:schemeClr>
+    </cs:fontRef>
+    <cs:defRPr sz="900" kern="1200"/>
+  </cs:legend>
+  <cs:plotArea mods="allowNoFillOverride allowNoLineOverride">
+    <cs:lnRef idx="0"/>
+    <cs:fillRef idx="0"/>
+    <cs:effectRef idx="0"/>
+    <cs:fontRef idx="minor">
+      <a:schemeClr val="tx1"/>
+    </cs:fontRef>
+  </cs:plotArea>
+  <cs:plotArea3D mods="allowNoFillOverride allowNoLineOverride">
+    <cs:lnRef idx="0"/>
+    <cs:fillRef idx="0"/>
+    <cs:effectRef idx="0"/>
+    <cs:fontRef idx="minor">
+      <a:schemeClr val="tx1"/>
+    </cs:fontRef>
+  </cs:plotArea3D>
+  <cs:seriesAxis>
+    <cs:lnRef idx="0"/>
+    <cs:fillRef idx="0"/>
+    <cs:effectRef idx="0"/>
+    <cs:fontRef idx="minor">
+      <a:schemeClr val="tx1">
+        <a:lumMod val="65000"/>
+        <a:lumOff val="35000"/>
+      </a:schemeClr>
+    </cs:fontRef>
+    <cs:defRPr sz="900" kern="1200"/>
+  </cs:seriesAxis>
+  <cs:seriesLine>
+    <cs:lnRef idx="0"/>
+    <cs:fillRef idx="0"/>
+    <cs:effectRef idx="0"/>
+    <cs:fontRef idx="minor">
+      <a:schemeClr val="tx1"/>
+    </cs:fontRef>
+    <cs:spPr>
+      <a:ln w="9525" cap="flat" cmpd="sng" algn="ctr">
+        <a:solidFill>
+          <a:schemeClr val="tx1">
+            <a:lumMod val="35000"/>
+            <a:lumOff val="65000"/>
+          </a:schemeClr>
+        </a:solidFill>
+        <a:round/>
+      </a:ln>
+    </cs:spPr>
+  </cs:seriesLine>
+  <cs:title>
+    <cs:lnRef idx="0"/>
+    <cs:fillRef idx="0"/>
+    <cs:effectRef idx="0"/>
+    <cs:fontRef idx="minor">
+      <a:schemeClr val="tx1">
+        <a:lumMod val="65000"/>
+        <a:lumOff val="35000"/>
+      </a:schemeClr>
+    </cs:fontRef>
+    <cs:defRPr sz="1400" b="0" kern="1200" spc="0" baseline="0"/>
+  </cs:title>
+  <cs:trendline>
+    <cs:lnRef idx="0">
+      <cs:styleClr val="auto"/>
+    </cs:lnRef>
+    <cs:fillRef idx="0"/>
+    <cs:effectRef idx="0"/>
+    <cs:fontRef idx="minor">
+      <a:schemeClr val="tx1"/>
+    </cs:fontRef>
+    <cs:spPr>
+      <a:ln w="19050" cap="rnd">
+        <a:solidFill>
+          <a:schemeClr val="phClr"/>
+        </a:solidFill>
+        <a:prstDash val="sysDot"/>
+      </a:ln>
+    </cs:spPr>
+  </cs:trendline>
+  <cs:trendlineLabel>
+    <cs:lnRef idx="0"/>
+    <cs:fillRef idx="0"/>
+    <cs:effectRef idx="0"/>
+    <cs:fontRef idx="minor">
+      <a:schemeClr val="tx1">
+        <a:lumMod val="65000"/>
+        <a:lumOff val="35000"/>
+      </a:schemeClr>
+    </cs:fontRef>
+    <cs:defRPr sz="900" kern="1200"/>
+  </cs:trendlineLabel>
+  <cs:upBar>
+    <cs:lnRef idx="0"/>
+    <cs:fillRef idx="0"/>
+    <cs:effectRef idx="0"/>
+    <cs:fontRef idx="minor">
+      <a:schemeClr val="dk1"/>
+    </cs:fontRef>
+    <cs:spPr>
+      <a:solidFill>
+        <a:schemeClr val="lt1"/>
+      </a:solidFill>
+      <a:ln w="9525">
+        <a:solidFill>
+          <a:schemeClr val="tx1">
+            <a:lumMod val="15000"/>
+            <a:lumOff val="85000"/>
+          </a:schemeClr>
+        </a:solidFill>
+      </a:ln>
+    </cs:spPr>
+  </cs:upBar>
+  <cs:valueAxis>
+    <cs:lnRef idx="0"/>
+    <cs:fillRef idx="0"/>
+    <cs:effectRef idx="0"/>
+    <cs:fontRef idx="minor">
+      <a:schemeClr val="tx1">
+        <a:lumMod val="65000"/>
+        <a:lumOff val="35000"/>
+      </a:schemeClr>
+    </cs:fontRef>
+    <cs:defRPr sz="900" kern="1200"/>
+  </cs:valueAxis>
+  <cs:wall>
+    <cs:lnRef idx="0"/>
+    <cs:fillRef idx="0"/>
+    <cs:effectRef idx="0"/>
+    <cs:fontRef idx="minor">
+      <a:schemeClr val="tx1"/>
+    </cs:fontRef>
+    <cs:spPr>
+      <a:noFill/>
+      <a:ln>
+        <a:noFill/>
+      </a:ln>
+    </cs:spPr>
+  </cs:wall>
+</cs:chartStyle>
+</file>
+
+<file path=ppt/charts/style3.xml><?xml version="1.0" encoding="utf-8"?>
+<cs:chartStyle xmlns:cs="http://schemas.microsoft.com/office/drawing/2012/chartStyle" xmlns:a="http://schemas.openxmlformats.org/drawingml/2006/main" id="201">
+  <cs:axisTitle>
+    <cs:lnRef idx="0"/>
+    <cs:fillRef idx="0"/>
+    <cs:effectRef idx="0"/>
+    <cs:fontRef idx="minor">
+      <a:schemeClr val="tx1">
+        <a:lumMod val="65000"/>
+        <a:lumOff val="35000"/>
+      </a:schemeClr>
+    </cs:fontRef>
+    <cs:defRPr sz="1000" kern="1200"/>
+  </cs:axisTitle>
+  <cs:categoryAxis>
+    <cs:lnRef idx="0"/>
+    <cs:fillRef idx="0"/>
+    <cs:effectRef idx="0"/>
+    <cs:fontRef idx="minor">
+      <a:schemeClr val="tx1">
+        <a:lumMod val="65000"/>
+        <a:lumOff val="35000"/>
+      </a:schemeClr>
+    </cs:fontRef>
+    <cs:spPr>
+      <a:ln w="9525" cap="flat" cmpd="sng" algn="ctr">
+        <a:solidFill>
+          <a:schemeClr val="tx1">
+            <a:lumMod val="15000"/>
+            <a:lumOff val="85000"/>
+          </a:schemeClr>
+        </a:solidFill>
+        <a:round/>
+      </a:ln>
+    </cs:spPr>
+    <cs:defRPr sz="900" kern="1200"/>
+  </cs:categoryAxis>
+  <cs:chartArea mods="allowNoFillOverride allowNoLineOverride">
+    <cs:lnRef idx="0"/>
+    <cs:fillRef idx="0"/>
+    <cs:effectRef idx="0"/>
+    <cs:fontRef idx="minor">
+      <a:schemeClr val="tx1"/>
+    </cs:fontRef>
+    <cs:spPr>
+      <a:solidFill>
+        <a:schemeClr val="bg1"/>
+      </a:solidFill>
+      <a:ln w="9525" cap="flat" cmpd="sng" algn="ctr">
+        <a:solidFill>
+          <a:schemeClr val="tx1">
+            <a:lumMod val="15000"/>
+            <a:lumOff val="85000"/>
+          </a:schemeClr>
+        </a:solidFill>
+        <a:round/>
+      </a:ln>
+    </cs:spPr>
+    <cs:defRPr sz="1000" kern="1200"/>
+  </cs:chartArea>
+  <cs:dataLabel>
+    <cs:lnRef idx="0"/>
+    <cs:fillRef idx="0"/>
+    <cs:effectRef idx="0"/>
+    <cs:fontRef idx="minor">
+      <a:schemeClr val="tx1">
+        <a:lumMod val="75000"/>
+        <a:lumOff val="25000"/>
+      </a:schemeClr>
+    </cs:fontRef>
+    <cs:defRPr sz="900" kern="1200"/>
+  </cs:dataLabel>
+  <cs:dataLabelCallout>
+    <cs:lnRef idx="0"/>
+    <cs:fillRef idx="0"/>
+    <cs:effectRef idx="0"/>
+    <cs:fontRef idx="minor">
+      <a:schemeClr val="dk1">
+        <a:lumMod val="65000"/>
+        <a:lumOff val="35000"/>
+      </a:schemeClr>
+    </cs:fontRef>
+    <cs:spPr>
+      <a:solidFill>
+        <a:schemeClr val="lt1"/>
+      </a:solidFill>
+      <a:ln>
+        <a:solidFill>
+          <a:schemeClr val="dk1">
+            <a:lumMod val="25000"/>
+            <a:lumOff val="75000"/>
+          </a:schemeClr>
+        </a:solidFill>
+      </a:ln>
+    </cs:spPr>
+    <cs:defRPr sz="900" kern="1200"/>
+    <cs:bodyPr rot="0" spcFirstLastPara="1" vertOverflow="clip" horzOverflow="clip" vert="horz" wrap="square" lIns="36576" tIns="18288" rIns="36576" bIns="18288" anchor="ctr" anchorCtr="1">
+      <a:spAutoFit/>
+    </cs:bodyPr>
+  </cs:dataLabelCallout>
+  <cs:dataPoint>
+    <cs:lnRef idx="0"/>
+    <cs:fillRef idx="1">
+      <cs:styleClr val="auto"/>
+    </cs:fillRef>
+    <cs:effectRef idx="0"/>
+    <cs:fontRef idx="minor">
+      <a:schemeClr val="tx1"/>
+    </cs:fontRef>
+  </cs:dataPoint>
+  <cs:dataPoint3D>
+    <cs:lnRef idx="0"/>
+    <cs:fillRef idx="1">
+      <cs:styleClr val="auto"/>
+    </cs:fillRef>
+    <cs:effectRef idx="0"/>
+    <cs:fontRef idx="minor">
+      <a:schemeClr val="tx1"/>
+    </cs:fontRef>
+  </cs:dataPoint3D>
+  <cs:dataPointLine>
+    <cs:lnRef idx="0">
+      <cs:styleClr val="auto"/>
+    </cs:lnRef>
+    <cs:fillRef idx="1"/>
+    <cs:effectRef idx="0"/>
+    <cs:fontRef idx="minor">
+      <a:schemeClr val="tx1"/>
+    </cs:fontRef>
+    <cs:spPr>
+      <a:ln w="28575" cap="rnd">
+        <a:solidFill>
+          <a:schemeClr val="phClr"/>
+        </a:solidFill>
+        <a:round/>
+      </a:ln>
+    </cs:spPr>
+  </cs:dataPointLine>
+  <cs:dataPointMarker>
+    <cs:lnRef idx="0">
+      <cs:styleClr val="auto"/>
+    </cs:lnRef>
+    <cs:fillRef idx="1">
+      <cs:styleClr val="auto"/>
+    </cs:fillRef>
+    <cs:effectRef idx="0"/>
+    <cs:fontRef idx="minor">
+      <a:schemeClr val="tx1"/>
+    </cs:fontRef>
+    <cs:spPr>
+      <a:ln w="9525">
+        <a:solidFill>
+          <a:schemeClr val="phClr"/>
+        </a:solidFill>
+      </a:ln>
+    </cs:spPr>
+  </cs:dataPointMarker>
+  <cs:dataPointMarkerLayout symbol="circle" size="5"/>
+  <cs:dataPointWireframe>
+    <cs:lnRef idx="0">
+      <cs:styleClr val="auto"/>
+    </cs:lnRef>
+    <cs:fillRef idx="1"/>
+    <cs:effectRef idx="0"/>
+    <cs:fontRef idx="minor">
+      <a:schemeClr val="tx1"/>
+    </cs:fontRef>
+    <cs:spPr>
+      <a:ln w="9525" cap="rnd">
+        <a:solidFill>
+          <a:schemeClr val="phClr"/>
+        </a:solidFill>
+        <a:round/>
+      </a:ln>
+    </cs:spPr>
+  </cs:dataPointWireframe>
+  <cs:dataTable>
+    <cs:lnRef idx="0"/>
+    <cs:fillRef idx="0"/>
+    <cs:effectRef idx="0"/>
+    <cs:fontRef idx="minor">
+      <a:schemeClr val="tx1">
+        <a:lumMod val="65000"/>
+        <a:lumOff val="35000"/>
+      </a:schemeClr>
+    </cs:fontRef>
+    <cs:spPr>
+      <a:noFill/>
+      <a:ln w="9525" cap="flat" cmpd="sng" algn="ctr">
+        <a:solidFill>
+          <a:schemeClr val="tx1">
+            <a:lumMod val="15000"/>
+            <a:lumOff val="85000"/>
+          </a:schemeClr>
+        </a:solidFill>
+        <a:round/>
+      </a:ln>
+    </cs:spPr>
+    <cs:defRPr sz="900" kern="1200"/>
+  </cs:dataTable>
+  <cs:downBar>
+    <cs:lnRef idx="0"/>
+    <cs:fillRef idx="0"/>
+    <cs:effectRef idx="0"/>
+    <cs:fontRef idx="minor">
+      <a:schemeClr val="dk1"/>
+    </cs:fontRef>
+    <cs:spPr>
+      <a:solidFill>
+        <a:schemeClr val="dk1">
+          <a:lumMod val="65000"/>
+          <a:lumOff val="35000"/>
+        </a:schemeClr>
+      </a:solidFill>
+      <a:ln w="9525">
+        <a:solidFill>
+          <a:schemeClr val="tx1">
+            <a:lumMod val="65000"/>
+            <a:lumOff val="35000"/>
+          </a:schemeClr>
+        </a:solidFill>
+      </a:ln>
+    </cs:spPr>
+  </cs:downBar>
+  <cs:dropLine>
+    <cs:lnRef idx="0"/>
+    <cs:fillRef idx="0"/>
+    <cs:effectRef idx="0"/>
+    <cs:fontRef idx="minor">
+      <a:schemeClr val="tx1"/>
+    </cs:fontRef>
+    <cs:spPr>
+      <a:ln w="9525" cap="flat" cmpd="sng" algn="ctr">
+        <a:solidFill>
+          <a:schemeClr val="tx1">
+            <a:lumMod val="35000"/>
+            <a:lumOff val="65000"/>
+          </a:schemeClr>
+        </a:solidFill>
+        <a:round/>
+      </a:ln>
+    </cs:spPr>
+  </cs:dropLine>
+  <cs:errorBar>
+    <cs:lnRef idx="0"/>
+    <cs:fillRef idx="0"/>
+    <cs:effectRef idx="0"/>
+    <cs:fontRef idx="minor">
+      <a:schemeClr val="tx1"/>
+    </cs:fontRef>
+    <cs:spPr>
+      <a:ln w="9525" cap="flat" cmpd="sng" algn="ctr">
+        <a:solidFill>
+          <a:schemeClr val="tx1">
+            <a:lumMod val="65000"/>
+            <a:lumOff val="35000"/>
+          </a:schemeClr>
+        </a:solidFill>
+        <a:round/>
+      </a:ln>
+    </cs:spPr>
+  </cs:errorBar>
+  <cs:floor>
+    <cs:lnRef idx="0"/>
+    <cs:fillRef idx="0"/>
+    <cs:effectRef idx="0"/>
+    <cs:fontRef idx="minor">
+      <a:schemeClr val="tx1"/>
+    </cs:fontRef>
+    <cs:spPr>
+      <a:noFill/>
+      <a:ln>
+        <a:noFill/>
+      </a:ln>
+    </cs:spPr>
+  </cs:floor>
+  <cs:gridlineMajor>
+    <cs:lnRef idx="0"/>
+    <cs:fillRef idx="0"/>
+    <cs:effectRef idx="0"/>
+    <cs:fontRef idx="minor">
+      <a:schemeClr val="tx1"/>
+    </cs:fontRef>
+    <cs:spPr>
+      <a:ln w="9525" cap="flat" cmpd="sng" algn="ctr">
+        <a:solidFill>
+          <a:schemeClr val="tx1">
+            <a:lumMod val="15000"/>
+            <a:lumOff val="85000"/>
+          </a:schemeClr>
+        </a:solidFill>
+        <a:round/>
+      </a:ln>
+    </cs:spPr>
+  </cs:gridlineMajor>
+  <cs:gridlineMinor>
+    <cs:lnRef idx="0"/>
+    <cs:fillRef idx="0"/>
+    <cs:effectRef idx="0"/>
+    <cs:fontRef idx="minor">
+      <a:schemeClr val="tx1"/>
+    </cs:fontRef>
+    <cs:spPr>
+      <a:ln w="9525" cap="flat" cmpd="sng" algn="ctr">
+        <a:solidFill>
+          <a:schemeClr val="tx1">
+            <a:lumMod val="5000"/>
+            <a:lumOff val="95000"/>
+          </a:schemeClr>
+        </a:solidFill>
+        <a:round/>
+      </a:ln>
+    </cs:spPr>
+  </cs:gridlineMinor>
+  <cs:hiLoLine>
+    <cs:lnRef idx="0"/>
+    <cs:fillRef idx="0"/>
+    <cs:effectRef idx="0"/>
+    <cs:fontRef idx="minor">
+      <a:schemeClr val="tx1"/>
+    </cs:fontRef>
+    <cs:spPr>
+      <a:ln w="9525" cap="flat" cmpd="sng" algn="ctr">
+        <a:solidFill>
+          <a:schemeClr val="tx1">
+            <a:lumMod val="75000"/>
+            <a:lumOff val="25000"/>
+          </a:schemeClr>
+        </a:solidFill>
+        <a:round/>
+      </a:ln>
+    </cs:spPr>
+  </cs:hiLoLine>
+  <cs:leaderLine>
+    <cs:lnRef idx="0"/>
+    <cs:fillRef idx="0"/>
+    <cs:effectRef idx="0"/>
+    <cs:fontRef idx="minor">
+      <a:schemeClr val="tx1"/>
+    </cs:fontRef>
+    <cs:spPr>
+      <a:ln w="9525" cap="flat" cmpd="sng" algn="ctr">
+        <a:solidFill>
+          <a:schemeClr val="tx1">
+            <a:lumMod val="35000"/>
+            <a:lumOff val="65000"/>
+          </a:schemeClr>
+        </a:solidFill>
+        <a:round/>
+      </a:ln>
+    </cs:spPr>
+  </cs:leaderLine>
+  <cs:legend>
+    <cs:lnRef idx="0"/>
+    <cs:fillRef idx="0"/>
+    <cs:effectRef idx="0"/>
+    <cs:fontRef idx="minor">
+      <a:schemeClr val="tx1">
+        <a:lumMod val="65000"/>
+        <a:lumOff val="35000"/>
+      </a:schemeClr>
+    </cs:fontRef>
+    <cs:defRPr sz="900" kern="1200"/>
+  </cs:legend>
+  <cs:plotArea mods="allowNoFillOverride allowNoLineOverride">
+    <cs:lnRef idx="0"/>
+    <cs:fillRef idx="0"/>
+    <cs:effectRef idx="0"/>
+    <cs:fontRef idx="minor">
+      <a:schemeClr val="tx1"/>
+    </cs:fontRef>
+  </cs:plotArea>
+  <cs:plotArea3D mods="allowNoFillOverride allowNoLineOverride">
+    <cs:lnRef idx="0"/>
+    <cs:fillRef idx="0"/>
+    <cs:effectRef idx="0"/>
+    <cs:fontRef idx="minor">
+      <a:schemeClr val="tx1"/>
+    </cs:fontRef>
+  </cs:plotArea3D>
+  <cs:seriesAxis>
+    <cs:lnRef idx="0"/>
+    <cs:fillRef idx="0"/>
+    <cs:effectRef idx="0"/>
+    <cs:fontRef idx="minor">
+      <a:schemeClr val="tx1">
+        <a:lumMod val="65000"/>
+        <a:lumOff val="35000"/>
+      </a:schemeClr>
+    </cs:fontRef>
+    <cs:defRPr sz="900" kern="1200"/>
+  </cs:seriesAxis>
+  <cs:seriesLine>
+    <cs:lnRef idx="0"/>
+    <cs:fillRef idx="0"/>
+    <cs:effectRef idx="0"/>
+    <cs:fontRef idx="minor">
+      <a:schemeClr val="tx1"/>
+    </cs:fontRef>
+    <cs:spPr>
+      <a:ln w="9525" cap="flat" cmpd="sng" algn="ctr">
+        <a:solidFill>
+          <a:schemeClr val="tx1">
+            <a:lumMod val="35000"/>
+            <a:lumOff val="65000"/>
+          </a:schemeClr>
+        </a:solidFill>
+        <a:round/>
+      </a:ln>
+    </cs:spPr>
+  </cs:seriesLine>
+  <cs:title>
+    <cs:lnRef idx="0"/>
+    <cs:fillRef idx="0"/>
+    <cs:effectRef idx="0"/>
+    <cs:fontRef idx="minor">
+      <a:schemeClr val="tx1">
+        <a:lumMod val="65000"/>
+        <a:lumOff val="35000"/>
+      </a:schemeClr>
+    </cs:fontRef>
+    <cs:defRPr sz="1400" b="0" kern="1200" spc="0" baseline="0"/>
+  </cs:title>
+  <cs:trendline>
+    <cs:lnRef idx="0">
+      <cs:styleClr val="auto"/>
+    </cs:lnRef>
+    <cs:fillRef idx="0"/>
+    <cs:effectRef idx="0"/>
+    <cs:fontRef idx="minor">
+      <a:schemeClr val="tx1"/>
+    </cs:fontRef>
+    <cs:spPr>
+      <a:ln w="19050" cap="rnd">
+        <a:solidFill>
+          <a:schemeClr val="phClr"/>
+        </a:solidFill>
+        <a:prstDash val="sysDot"/>
+      </a:ln>
+    </cs:spPr>
+  </cs:trendline>
+  <cs:trendlineLabel>
+    <cs:lnRef idx="0"/>
+    <cs:fillRef idx="0"/>
+    <cs:effectRef idx="0"/>
+    <cs:fontRef idx="minor">
+      <a:schemeClr val="tx1">
+        <a:lumMod val="65000"/>
+        <a:lumOff val="35000"/>
+      </a:schemeClr>
+    </cs:fontRef>
+    <cs:defRPr sz="900" kern="1200"/>
+  </cs:trendlineLabel>
+  <cs:upBar>
+    <cs:lnRef idx="0"/>
+    <cs:fillRef idx="0"/>
+    <cs:effectRef idx="0"/>
+    <cs:fontRef idx="minor">
+      <a:schemeClr val="dk1"/>
+    </cs:fontRef>
+    <cs:spPr>
+      <a:solidFill>
+        <a:schemeClr val="lt1"/>
+      </a:solidFill>
+      <a:ln w="9525">
+        <a:solidFill>
+          <a:schemeClr val="tx1">
+            <a:lumMod val="15000"/>
+            <a:lumOff val="85000"/>
+          </a:schemeClr>
+        </a:solidFill>
+      </a:ln>
+    </cs:spPr>
+  </cs:upBar>
+  <cs:valueAxis>
+    <cs:lnRef idx="0"/>
+    <cs:fillRef idx="0"/>
+    <cs:effectRef idx="0"/>
+    <cs:fontRef idx="minor">
+      <a:schemeClr val="tx1">
+        <a:lumMod val="65000"/>
+        <a:lumOff val="35000"/>
+      </a:schemeClr>
+    </cs:fontRef>
+    <cs:defRPr sz="900" kern="1200"/>
+  </cs:valueAxis>
+  <cs:wall>
+    <cs:lnRef idx="0"/>
+    <cs:fillRef idx="0"/>
+    <cs:effectRef idx="0"/>
+    <cs:fontRef idx="minor">
+      <a:schemeClr val="tx1"/>
+    </cs:fontRef>
+    <cs:spPr>
+      <a:noFill/>
+      <a:ln>
+        <a:noFill/>
+      </a:ln>
+    </cs:spPr>
+  </cs:wall>
+</cs:chartStyle>
+</file>
+
 <file path=ppt/slideLayouts/slideLayout1.xml><?xml version="1.0" encoding="utf-8"?>
 <p:sldLayout xmlns:a="http://schemas.openxmlformats.org/drawingml/2006/main" xmlns:r="http://schemas.openxmlformats.org/officeDocument/2006/relationships" xmlns:p="http://schemas.openxmlformats.org/presentationml/2006/main" type="title" preserve="1">
   <p:cSld name="Title Slide">
@@ -269,7 +2954,7 @@
           <a:p>
             <a:fld id="{5F35A656-45FC-4BC5-B599-2BD02740AE99}" type="datetimeFigureOut">
               <a:rPr lang="en-US" smtClean="0"/>
-              <a:t>6/3/2021</a:t>
+              <a:t>6/9/2021</a:t>
             </a:fld>
             <a:endParaRPr lang="en-US"/>
           </a:p>
@@ -439,7 +3124,7 @@
           <a:p>
             <a:fld id="{5F35A656-45FC-4BC5-B599-2BD02740AE99}" type="datetimeFigureOut">
               <a:rPr lang="en-US" smtClean="0"/>
-              <a:t>6/3/2021</a:t>
+              <a:t>6/9/2021</a:t>
             </a:fld>
             <a:endParaRPr lang="en-US"/>
           </a:p>
@@ -619,7 +3304,7 @@
           <a:p>
             <a:fld id="{5F35A656-45FC-4BC5-B599-2BD02740AE99}" type="datetimeFigureOut">
               <a:rPr lang="en-US" smtClean="0"/>
-              <a:t>6/3/2021</a:t>
+              <a:t>6/9/2021</a:t>
             </a:fld>
             <a:endParaRPr lang="en-US"/>
           </a:p>
@@ -789,7 +3474,7 @@
           <a:p>
             <a:fld id="{5F35A656-45FC-4BC5-B599-2BD02740AE99}" type="datetimeFigureOut">
               <a:rPr lang="en-US" smtClean="0"/>
-              <a:t>6/3/2021</a:t>
+              <a:t>6/9/2021</a:t>
             </a:fld>
             <a:endParaRPr lang="en-US"/>
           </a:p>
@@ -1033,7 +3718,7 @@
           <a:p>
             <a:fld id="{5F35A656-45FC-4BC5-B599-2BD02740AE99}" type="datetimeFigureOut">
               <a:rPr lang="en-US" smtClean="0"/>
-              <a:t>6/3/2021</a:t>
+              <a:t>6/9/2021</a:t>
             </a:fld>
             <a:endParaRPr lang="en-US"/>
           </a:p>
@@ -1265,7 +3950,7 @@
           <a:p>
             <a:fld id="{5F35A656-45FC-4BC5-B599-2BD02740AE99}" type="datetimeFigureOut">
               <a:rPr lang="en-US" smtClean="0"/>
-              <a:t>6/3/2021</a:t>
+              <a:t>6/9/2021</a:t>
             </a:fld>
             <a:endParaRPr lang="en-US"/>
           </a:p>
@@ -1632,7 +4317,7 @@
           <a:p>
             <a:fld id="{5F35A656-45FC-4BC5-B599-2BD02740AE99}" type="datetimeFigureOut">
               <a:rPr lang="en-US" smtClean="0"/>
-              <a:t>6/3/2021</a:t>
+              <a:t>6/9/2021</a:t>
             </a:fld>
             <a:endParaRPr lang="en-US"/>
           </a:p>
@@ -1750,7 +4435,7 @@
           <a:p>
             <a:fld id="{5F35A656-45FC-4BC5-B599-2BD02740AE99}" type="datetimeFigureOut">
               <a:rPr lang="en-US" smtClean="0"/>
-              <a:t>6/3/2021</a:t>
+              <a:t>6/9/2021</a:t>
             </a:fld>
             <a:endParaRPr lang="en-US"/>
           </a:p>
@@ -1845,7 +4530,7 @@
           <a:p>
             <a:fld id="{5F35A656-45FC-4BC5-B599-2BD02740AE99}" type="datetimeFigureOut">
               <a:rPr lang="en-US" smtClean="0"/>
-              <a:t>6/3/2021</a:t>
+              <a:t>6/9/2021</a:t>
             </a:fld>
             <a:endParaRPr lang="en-US"/>
           </a:p>
@@ -2122,7 +4807,7 @@
           <a:p>
             <a:fld id="{5F35A656-45FC-4BC5-B599-2BD02740AE99}" type="datetimeFigureOut">
               <a:rPr lang="en-US" smtClean="0"/>
-              <a:t>6/3/2021</a:t>
+              <a:t>6/9/2021</a:t>
             </a:fld>
             <a:endParaRPr lang="en-US"/>
           </a:p>
@@ -2379,7 +5064,7 @@
           <a:p>
             <a:fld id="{5F35A656-45FC-4BC5-B599-2BD02740AE99}" type="datetimeFigureOut">
               <a:rPr lang="en-US" smtClean="0"/>
-              <a:t>6/3/2021</a:t>
+              <a:t>6/9/2021</a:t>
             </a:fld>
             <a:endParaRPr lang="en-US"/>
           </a:p>
@@ -2592,7 +5277,7 @@
           <a:p>
             <a:fld id="{5F35A656-45FC-4BC5-B599-2BD02740AE99}" type="datetimeFigureOut">
               <a:rPr lang="en-US" smtClean="0"/>
-              <a:t>6/3/2021</a:t>
+              <a:t>6/9/2021</a:t>
             </a:fld>
             <a:endParaRPr lang="en-US"/>
           </a:p>
@@ -3358,10 +6043,10 @@
       </p:grpSpPr>
       <p:pic>
         <p:nvPicPr>
-          <p:cNvPr id="4" name="Picture 3">
+          <p:cNvPr id="5" name="Picture 4" descr="Chart&#10;&#10;Description automatically generated">
             <a:extLst>
               <a:ext uri="{FF2B5EF4-FFF2-40B4-BE49-F238E27FC236}">
-                <a16:creationId xmlns:a16="http://schemas.microsoft.com/office/drawing/2014/main" id="{7D740564-6F65-49C5-866F-F955781CD6CA}"/>
+                <a16:creationId xmlns:a16="http://schemas.microsoft.com/office/drawing/2014/main" id="{51665945-A74E-4B4B-8B12-2D79A5998645}"/>
               </a:ext>
             </a:extLst>
           </p:cNvPr>
@@ -3371,105 +6056,21 @@
           <p:nvPr/>
         </p:nvPicPr>
         <p:blipFill>
-          <a:blip r:embed="rId2"/>
+          <a:blip r:embed="rId2">
+            <a:extLst>
+              <a:ext uri="{28A0092B-C50C-407E-A947-70E740481C1C}">
+                <a14:useLocalDpi xmlns:a14="http://schemas.microsoft.com/office/drawing/2010/main" val="0"/>
+              </a:ext>
+            </a:extLst>
+          </a:blip>
           <a:stretch>
             <a:fillRect/>
           </a:stretch>
         </p:blipFill>
         <p:spPr>
           <a:xfrm>
-            <a:off x="1195387" y="519493"/>
-            <a:ext cx="5381625" cy="2171700"/>
-          </a:xfrm>
-          <a:prstGeom prst="rect">
-            <a:avLst/>
-          </a:prstGeom>
-        </p:spPr>
-      </p:pic>
-      <p:pic>
-        <p:nvPicPr>
-          <p:cNvPr id="5" name="Picture 4">
-            <a:extLst>
-              <a:ext uri="{FF2B5EF4-FFF2-40B4-BE49-F238E27FC236}">
-                <a16:creationId xmlns:a16="http://schemas.microsoft.com/office/drawing/2014/main" id="{D6A215DC-83DF-43EB-A48B-5E77CED0EF89}"/>
-              </a:ext>
-            </a:extLst>
-          </p:cNvPr>
-          <p:cNvPicPr>
-            <a:picLocks noChangeAspect="1"/>
-          </p:cNvPicPr>
-          <p:nvPr/>
-        </p:nvPicPr>
-        <p:blipFill>
-          <a:blip r:embed="rId3"/>
-          <a:stretch>
-            <a:fillRect/>
-          </a:stretch>
-        </p:blipFill>
-        <p:spPr>
-          <a:xfrm>
-            <a:off x="1195387" y="2809494"/>
-            <a:ext cx="5381625" cy="2171700"/>
-          </a:xfrm>
-          <a:prstGeom prst="rect">
-            <a:avLst/>
-          </a:prstGeom>
-        </p:spPr>
-      </p:pic>
-      <p:pic>
-        <p:nvPicPr>
-          <p:cNvPr id="6" name="Picture 5">
-            <a:extLst>
-              <a:ext uri="{FF2B5EF4-FFF2-40B4-BE49-F238E27FC236}">
-                <a16:creationId xmlns:a16="http://schemas.microsoft.com/office/drawing/2014/main" id="{5D0873C2-1632-40D3-B61D-AF617D9FA211}"/>
-              </a:ext>
-            </a:extLst>
-          </p:cNvPr>
-          <p:cNvPicPr>
-            <a:picLocks noChangeAspect="1"/>
-          </p:cNvPicPr>
-          <p:nvPr/>
-        </p:nvPicPr>
-        <p:blipFill>
-          <a:blip r:embed="rId4"/>
-          <a:stretch>
-            <a:fillRect/>
-          </a:stretch>
-        </p:blipFill>
-        <p:spPr>
-          <a:xfrm>
-            <a:off x="1195386" y="7504938"/>
-            <a:ext cx="5381625" cy="2162175"/>
-          </a:xfrm>
-          <a:prstGeom prst="rect">
-            <a:avLst/>
-          </a:prstGeom>
-        </p:spPr>
-      </p:pic>
-      <p:pic>
-        <p:nvPicPr>
-          <p:cNvPr id="7" name="Picture 6">
-            <a:extLst>
-              <a:ext uri="{FF2B5EF4-FFF2-40B4-BE49-F238E27FC236}">
-                <a16:creationId xmlns:a16="http://schemas.microsoft.com/office/drawing/2014/main" id="{328DD50E-1055-4C2B-BD03-531CD22435EB}"/>
-              </a:ext>
-            </a:extLst>
-          </p:cNvPr>
-          <p:cNvPicPr>
-            <a:picLocks noChangeAspect="1"/>
-          </p:cNvPicPr>
-          <p:nvPr/>
-        </p:nvPicPr>
-        <p:blipFill>
-          <a:blip r:embed="rId5"/>
-          <a:stretch>
-            <a:fillRect/>
-          </a:stretch>
-        </p:blipFill>
-        <p:spPr>
-          <a:xfrm>
-            <a:off x="1195387" y="5180266"/>
-            <a:ext cx="5381625" cy="2162175"/>
+            <a:off x="1146108" y="1788589"/>
+            <a:ext cx="5480183" cy="6557422"/>
           </a:xfrm>
           <a:prstGeom prst="rect">
             <a:avLst/>
@@ -3478,10 +6079,10 @@
       </p:pic>
       <p:sp>
         <p:nvSpPr>
-          <p:cNvPr id="8" name="TextBox 7">
+          <p:cNvPr id="6" name="TextBox 5">
             <a:extLst>
               <a:ext uri="{FF2B5EF4-FFF2-40B4-BE49-F238E27FC236}">
-                <a16:creationId xmlns:a16="http://schemas.microsoft.com/office/drawing/2014/main" id="{DABDCD24-613A-430A-B229-6148CF385E49}"/>
+                <a16:creationId xmlns:a16="http://schemas.microsoft.com/office/drawing/2014/main" id="{67B8A2C7-01C2-4432-AFF1-91D371544827}"/>
               </a:ext>
             </a:extLst>
           </p:cNvPr>
@@ -3490,8 +6091,101 @@
         </p:nvSpPr>
         <p:spPr>
           <a:xfrm>
-            <a:off x="926592" y="292608"/>
-            <a:ext cx="1961691" cy="276999"/>
+            <a:off x="0" y="9504402"/>
+            <a:ext cx="7772400" cy="553998"/>
+          </a:xfrm>
+          <a:prstGeom prst="rect">
+            <a:avLst/>
+          </a:prstGeom>
+          <a:noFill/>
+        </p:spPr>
+        <p:txBody>
+          <a:bodyPr wrap="square" rtlCol="0">
+            <a:spAutoFit/>
+          </a:bodyPr>
+          <a:lstStyle/>
+          <a:p>
+            <a:r>
+              <a:rPr lang="en-US" sz="1000" b="1" dirty="0">
+                <a:latin typeface="Arial" panose="020B0604020202020204" pitchFamily="34" charset="0"/>
+                <a:cs typeface="Arial" panose="020B0604020202020204" pitchFamily="34" charset="0"/>
+              </a:rPr>
+              <a:t>Figure 3. </a:t>
+            </a:r>
+            <a:r>
+              <a:rPr lang="en-US" sz="1000" dirty="0">
+                <a:latin typeface="Arial" panose="020B0604020202020204" pitchFamily="34" charset="0"/>
+                <a:cs typeface="Arial" panose="020B0604020202020204" pitchFamily="34" charset="0"/>
+              </a:rPr>
+              <a:t>Organ-specific oroxylin A (top) and oroxyloside (bottom) concentrations in 9 </a:t>
+            </a:r>
+            <a:r>
+              <a:rPr lang="en-US" sz="1000" i="1" dirty="0">
+                <a:latin typeface="Arial" panose="020B0604020202020204" pitchFamily="34" charset="0"/>
+                <a:cs typeface="Arial" panose="020B0604020202020204" pitchFamily="34" charset="0"/>
+              </a:rPr>
+              <a:t>Scutellaria </a:t>
+            </a:r>
+            <a:r>
+              <a:rPr lang="en-US" sz="1000" dirty="0">
+                <a:latin typeface="Arial" panose="020B0604020202020204" pitchFamily="34" charset="0"/>
+                <a:cs typeface="Arial" panose="020B0604020202020204" pitchFamily="34" charset="0"/>
+              </a:rPr>
+              <a:t>species, as determined via High Performance Liquid Chromatography (HPLC). Concentrations were averaged from tissue samples taken from 3 biological replicates, and error bars represent standard error.</a:t>
+            </a:r>
+            <a:endParaRPr lang="en-US" sz="1000" b="1" dirty="0">
+              <a:latin typeface="Arial" panose="020B0604020202020204" pitchFamily="34" charset="0"/>
+              <a:cs typeface="Arial" panose="020B0604020202020204" pitchFamily="34" charset="0"/>
+            </a:endParaRPr>
+          </a:p>
+        </p:txBody>
+      </p:sp>
+    </p:spTree>
+    <p:extLst>
+      <p:ext uri="{BB962C8B-B14F-4D97-AF65-F5344CB8AC3E}">
+        <p14:creationId xmlns:p14="http://schemas.microsoft.com/office/powerpoint/2010/main" val="1617073621"/>
+      </p:ext>
+    </p:extLst>
+  </p:cSld>
+  <p:clrMapOvr>
+    <a:masterClrMapping/>
+  </p:clrMapOvr>
+</p:sld>
+</file>
+
+<file path=ppt/slides/slide13.xml><?xml version="1.0" encoding="utf-8"?>
+<p:sld xmlns:a="http://schemas.openxmlformats.org/drawingml/2006/main" xmlns:r="http://schemas.openxmlformats.org/officeDocument/2006/relationships" xmlns:p="http://schemas.openxmlformats.org/presentationml/2006/main">
+  <p:cSld>
+    <p:spTree>
+      <p:nvGrpSpPr>
+        <p:cNvPr id="1" name=""/>
+        <p:cNvGrpSpPr/>
+        <p:nvPr/>
+      </p:nvGrpSpPr>
+      <p:grpSpPr>
+        <a:xfrm>
+          <a:off x="0" y="0"/>
+          <a:ext cx="0" cy="0"/>
+          <a:chOff x="0" y="0"/>
+          <a:chExt cx="0" cy="0"/>
+        </a:xfrm>
+      </p:grpSpPr>
+      <p:sp>
+        <p:nvSpPr>
+          <p:cNvPr id="8" name="TextBox 7">
+            <a:extLst>
+              <a:ext uri="{FF2B5EF4-FFF2-40B4-BE49-F238E27FC236}">
+                <a16:creationId xmlns:a16="http://schemas.microsoft.com/office/drawing/2014/main" id="{DABDCD24-613A-430A-B229-6148CF385E49}"/>
+              </a:ext>
+            </a:extLst>
+          </p:cNvPr>
+          <p:cNvSpPr txBox="1"/>
+          <p:nvPr/>
+        </p:nvSpPr>
+        <p:spPr>
+          <a:xfrm>
+            <a:off x="914400" y="195072"/>
+            <a:ext cx="1984518" cy="276999"/>
           </a:xfrm>
           <a:prstGeom prst="rect">
             <a:avLst/>
@@ -3505,16 +6199,20 @@
           <a:lstStyle/>
           <a:p>
             <a:r>
+              <a:rPr lang="en-US" sz="1200" i="1" dirty="0"/>
+              <a:t>S. </a:t>
+            </a:r>
+            <a:r>
+              <a:rPr lang="en-US" sz="1200" i="1" dirty="0" err="1"/>
+              <a:t>baicalensis</a:t>
+            </a:r>
+            <a:r>
+              <a:rPr lang="en-US" sz="1200" i="1" dirty="0"/>
+              <a:t> </a:t>
+            </a:r>
+            <a:r>
               <a:rPr lang="en-US" sz="1200" dirty="0"/>
-              <a:t>S. </a:t>
-            </a:r>
-            <a:r>
-              <a:rPr lang="en-US" sz="1200" dirty="0" err="1"/>
-              <a:t>baicalensis</a:t>
-            </a:r>
-            <a:r>
-              <a:rPr lang="en-US" sz="1200" dirty="0"/>
-              <a:t> roots (</a:t>
+              <a:t>roots (</a:t>
             </a:r>
             <a:r>
               <a:rPr lang="en-US" sz="1200" dirty="0" err="1"/>
@@ -3541,8 +6239,8 @@
         </p:nvSpPr>
         <p:spPr>
           <a:xfrm>
-            <a:off x="926592" y="2557509"/>
-            <a:ext cx="2024272" cy="276999"/>
+            <a:off x="914400" y="2505693"/>
+            <a:ext cx="2047099" cy="276999"/>
           </a:xfrm>
           <a:prstGeom prst="rect">
             <a:avLst/>
@@ -3556,16 +6254,12 @@
           <a:lstStyle/>
           <a:p>
             <a:r>
+              <a:rPr lang="en-US" sz="1200" i="1" dirty="0"/>
+              <a:t>S. baicalensis </a:t>
+            </a:r>
+            <a:r>
               <a:rPr lang="en-US" sz="1200" dirty="0"/>
-              <a:t>S. </a:t>
-            </a:r>
-            <a:r>
-              <a:rPr lang="en-US" sz="1200" dirty="0" err="1"/>
-              <a:t>baicalensis</a:t>
-            </a:r>
-            <a:r>
-              <a:rPr lang="en-US" sz="1200" dirty="0"/>
-              <a:t> leaves (</a:t>
+              <a:t>leaves (</a:t>
             </a:r>
             <a:r>
               <a:rPr lang="en-US" sz="1200" dirty="0" err="1"/>
@@ -3592,7 +6286,7 @@
         </p:nvSpPr>
         <p:spPr>
           <a:xfrm>
-            <a:off x="926592" y="4955333"/>
+            <a:off x="914400" y="4882181"/>
             <a:ext cx="1235338" cy="276999"/>
           </a:xfrm>
           <a:prstGeom prst="rect">
@@ -3607,16 +6301,20 @@
           <a:lstStyle/>
           <a:p>
             <a:r>
+              <a:rPr lang="en-US" sz="1200" i="1" dirty="0"/>
+              <a:t>S. </a:t>
+            </a:r>
+            <a:r>
+              <a:rPr lang="en-US" sz="1200" i="1" dirty="0" err="1"/>
+              <a:t>barbata</a:t>
+            </a:r>
+            <a:r>
+              <a:rPr lang="en-US" sz="1200" i="1" dirty="0"/>
+              <a:t> </a:t>
+            </a:r>
+            <a:r>
               <a:rPr lang="en-US" sz="1200" dirty="0"/>
-              <a:t>S. </a:t>
-            </a:r>
-            <a:r>
-              <a:rPr lang="en-US" sz="1200" dirty="0" err="1"/>
-              <a:t>barbata</a:t>
-            </a:r>
-            <a:r>
-              <a:rPr lang="en-US" sz="1200" dirty="0"/>
-              <a:t> leaves</a:t>
+              <a:t>leaves</a:t>
             </a:r>
           </a:p>
         </p:txBody>
@@ -3635,7 +6333,7 @@
         </p:nvSpPr>
         <p:spPr>
           <a:xfrm>
-            <a:off x="926592" y="7280005"/>
+            <a:off x="914400" y="7194661"/>
             <a:ext cx="1358898" cy="276999"/>
           </a:xfrm>
           <a:prstGeom prst="rect">
@@ -3650,20 +6348,287 @@
           <a:lstStyle/>
           <a:p>
             <a:r>
+              <a:rPr lang="en-US" sz="1200" i="1" dirty="0"/>
+              <a:t>S. </a:t>
+            </a:r>
+            <a:r>
+              <a:rPr lang="en-US" sz="1200" i="1" dirty="0" err="1"/>
+              <a:t>racemosa</a:t>
+            </a:r>
+            <a:r>
+              <a:rPr lang="en-US" sz="1200" i="1" dirty="0"/>
+              <a:t> </a:t>
+            </a:r>
+            <a:r>
               <a:rPr lang="en-US" sz="1200" dirty="0"/>
-              <a:t>S. </a:t>
-            </a:r>
-            <a:r>
-              <a:rPr lang="en-US" sz="1200" dirty="0" err="1"/>
-              <a:t>racemosa</a:t>
-            </a:r>
-            <a:r>
-              <a:rPr lang="en-US" sz="1200" dirty="0"/>
-              <a:t> leaves</a:t>
+              <a:t>leaves</a:t>
             </a:r>
           </a:p>
         </p:txBody>
       </p:sp>
+      <p:sp>
+        <p:nvSpPr>
+          <p:cNvPr id="2" name="TextBox 1">
+            <a:extLst>
+              <a:ext uri="{FF2B5EF4-FFF2-40B4-BE49-F238E27FC236}">
+                <a16:creationId xmlns:a16="http://schemas.microsoft.com/office/drawing/2014/main" id="{F6E43B5E-FB5F-47B9-B49F-54D370720ADA}"/>
+              </a:ext>
+            </a:extLst>
+          </p:cNvPr>
+          <p:cNvSpPr txBox="1"/>
+          <p:nvPr/>
+        </p:nvSpPr>
+        <p:spPr>
+          <a:xfrm>
+            <a:off x="0" y="9658208"/>
+            <a:ext cx="7772400" cy="400110"/>
+          </a:xfrm>
+          <a:prstGeom prst="rect">
+            <a:avLst/>
+          </a:prstGeom>
+          <a:noFill/>
+        </p:spPr>
+        <p:txBody>
+          <a:bodyPr wrap="square" rtlCol="0">
+            <a:spAutoFit/>
+          </a:bodyPr>
+          <a:lstStyle/>
+          <a:p>
+            <a:r>
+              <a:rPr lang="en-US" sz="1000" b="1" dirty="0">
+                <a:latin typeface="Arial" panose="020B0604020202020204" pitchFamily="34" charset="0"/>
+                <a:cs typeface="Arial" panose="020B0604020202020204" pitchFamily="34" charset="0"/>
+              </a:rPr>
+              <a:t>Figure 4. </a:t>
+            </a:r>
+            <a:r>
+              <a:rPr lang="en-US" sz="1000" dirty="0">
+                <a:latin typeface="Arial" panose="020B0604020202020204" pitchFamily="34" charset="0"/>
+                <a:cs typeface="Arial" panose="020B0604020202020204" pitchFamily="34" charset="0"/>
+              </a:rPr>
+              <a:t>Comparison of chromatograms collected via HPLC from (A) </a:t>
+            </a:r>
+            <a:r>
+              <a:rPr lang="en-US" sz="1000" i="1" dirty="0">
+                <a:latin typeface="Arial" panose="020B0604020202020204" pitchFamily="34" charset="0"/>
+                <a:cs typeface="Arial" panose="020B0604020202020204" pitchFamily="34" charset="0"/>
+              </a:rPr>
+              <a:t>S. baicalensis </a:t>
+            </a:r>
+            <a:r>
+              <a:rPr lang="en-US" sz="1000" dirty="0">
+                <a:latin typeface="Arial" panose="020B0604020202020204" pitchFamily="34" charset="0"/>
+                <a:cs typeface="Arial" panose="020B0604020202020204" pitchFamily="34" charset="0"/>
+              </a:rPr>
+              <a:t>roots, (B) </a:t>
+            </a:r>
+            <a:r>
+              <a:rPr lang="en-US" sz="1000" i="1" dirty="0">
+                <a:latin typeface="Arial" panose="020B0604020202020204" pitchFamily="34" charset="0"/>
+                <a:cs typeface="Arial" panose="020B0604020202020204" pitchFamily="34" charset="0"/>
+              </a:rPr>
+              <a:t>S. baicalensis </a:t>
+            </a:r>
+            <a:r>
+              <a:rPr lang="en-US" sz="1000" dirty="0">
+                <a:latin typeface="Arial" panose="020B0604020202020204" pitchFamily="34" charset="0"/>
+                <a:cs typeface="Arial" panose="020B0604020202020204" pitchFamily="34" charset="0"/>
+              </a:rPr>
+              <a:t>leaves, (C) </a:t>
+            </a:r>
+            <a:r>
+              <a:rPr lang="en-US" sz="1000" i="1" dirty="0">
+                <a:latin typeface="Arial" panose="020B0604020202020204" pitchFamily="34" charset="0"/>
+                <a:cs typeface="Arial" panose="020B0604020202020204" pitchFamily="34" charset="0"/>
+              </a:rPr>
+              <a:t>S. </a:t>
+            </a:r>
+            <a:r>
+              <a:rPr lang="en-US" sz="1000" i="1" dirty="0" err="1">
+                <a:latin typeface="Arial" panose="020B0604020202020204" pitchFamily="34" charset="0"/>
+                <a:cs typeface="Arial" panose="020B0604020202020204" pitchFamily="34" charset="0"/>
+              </a:rPr>
+              <a:t>barbata</a:t>
+            </a:r>
+            <a:r>
+              <a:rPr lang="en-US" sz="1000" i="1" dirty="0">
+                <a:latin typeface="Arial" panose="020B0604020202020204" pitchFamily="34" charset="0"/>
+                <a:cs typeface="Arial" panose="020B0604020202020204" pitchFamily="34" charset="0"/>
+              </a:rPr>
+              <a:t> </a:t>
+            </a:r>
+            <a:r>
+              <a:rPr lang="en-US" sz="1000" dirty="0">
+                <a:latin typeface="Arial" panose="020B0604020202020204" pitchFamily="34" charset="0"/>
+                <a:cs typeface="Arial" panose="020B0604020202020204" pitchFamily="34" charset="0"/>
+              </a:rPr>
+              <a:t>leaves, and (D) </a:t>
+            </a:r>
+            <a:r>
+              <a:rPr lang="en-US" sz="1000" i="1" dirty="0">
+                <a:latin typeface="Arial" panose="020B0604020202020204" pitchFamily="34" charset="0"/>
+                <a:cs typeface="Arial" panose="020B0604020202020204" pitchFamily="34" charset="0"/>
+              </a:rPr>
+              <a:t>S. racemosa </a:t>
+            </a:r>
+            <a:r>
+              <a:rPr lang="en-US" sz="1000" dirty="0">
+                <a:latin typeface="Arial" panose="020B0604020202020204" pitchFamily="34" charset="0"/>
+                <a:cs typeface="Arial" panose="020B0604020202020204" pitchFamily="34" charset="0"/>
+              </a:rPr>
+              <a:t>leaves. Time interval displayed was selected to center the unknown peak in the chromatograms.</a:t>
+            </a:r>
+            <a:endParaRPr lang="en-US" sz="1000" b="1" dirty="0">
+              <a:latin typeface="Arial" panose="020B0604020202020204" pitchFamily="34" charset="0"/>
+              <a:cs typeface="Arial" panose="020B0604020202020204" pitchFamily="34" charset="0"/>
+            </a:endParaRPr>
+          </a:p>
+        </p:txBody>
+      </p:sp>
+      <p:pic>
+        <p:nvPicPr>
+          <p:cNvPr id="127" name="Picture 126" descr="A picture containing shape&#10;&#10;Description automatically generated">
+            <a:extLst>
+              <a:ext uri="{FF2B5EF4-FFF2-40B4-BE49-F238E27FC236}">
+                <a16:creationId xmlns:a16="http://schemas.microsoft.com/office/drawing/2014/main" id="{FF73F36B-C535-43C0-AE7F-EF8C11B53F32}"/>
+              </a:ext>
+            </a:extLst>
+          </p:cNvPr>
+          <p:cNvPicPr>
+            <a:picLocks noChangeAspect="1"/>
+          </p:cNvPicPr>
+          <p:nvPr/>
+        </p:nvPicPr>
+        <p:blipFill>
+          <a:blip r:embed="rId2">
+            <a:extLst>
+              <a:ext uri="{28A0092B-C50C-407E-A947-70E740481C1C}">
+                <a14:useLocalDpi xmlns:a14="http://schemas.microsoft.com/office/drawing/2010/main" val="0"/>
+              </a:ext>
+            </a:extLst>
+          </a:blip>
+          <a:stretch>
+            <a:fillRect/>
+          </a:stretch>
+        </p:blipFill>
+        <p:spPr>
+          <a:xfrm>
+            <a:off x="1195012" y="7447276"/>
+            <a:ext cx="5382376" cy="2162477"/>
+          </a:xfrm>
+          <a:prstGeom prst="rect">
+            <a:avLst/>
+          </a:prstGeom>
+        </p:spPr>
+      </p:pic>
+      <p:pic>
+        <p:nvPicPr>
+          <p:cNvPr id="129" name="Picture 128" descr="Chart, histogram&#10;&#10;Description automatically generated">
+            <a:extLst>
+              <a:ext uri="{FF2B5EF4-FFF2-40B4-BE49-F238E27FC236}">
+                <a16:creationId xmlns:a16="http://schemas.microsoft.com/office/drawing/2014/main" id="{74BBEBBB-4E6A-46DF-A861-E0C2BF203C4D}"/>
+              </a:ext>
+            </a:extLst>
+          </p:cNvPr>
+          <p:cNvPicPr>
+            <a:picLocks noChangeAspect="1"/>
+          </p:cNvPicPr>
+          <p:nvPr/>
+        </p:nvPicPr>
+        <p:blipFill>
+          <a:blip r:embed="rId3">
+            <a:extLst>
+              <a:ext uri="{28A0092B-C50C-407E-A947-70E740481C1C}">
+                <a14:useLocalDpi xmlns:a14="http://schemas.microsoft.com/office/drawing/2010/main" val="0"/>
+              </a:ext>
+            </a:extLst>
+          </a:blip>
+          <a:stretch>
+            <a:fillRect/>
+          </a:stretch>
+        </p:blipFill>
+        <p:spPr>
+          <a:xfrm>
+            <a:off x="1195012" y="5129764"/>
+            <a:ext cx="5382376" cy="2162477"/>
+          </a:xfrm>
+          <a:prstGeom prst="rect">
+            <a:avLst/>
+          </a:prstGeom>
+        </p:spPr>
+      </p:pic>
+      <p:pic>
+        <p:nvPicPr>
+          <p:cNvPr id="131" name="Picture 130" descr="Chart, histogram&#10;&#10;Description automatically generated">
+            <a:extLst>
+              <a:ext uri="{FF2B5EF4-FFF2-40B4-BE49-F238E27FC236}">
+                <a16:creationId xmlns:a16="http://schemas.microsoft.com/office/drawing/2014/main" id="{762BBB75-EE34-4E3B-9256-EB343EB00103}"/>
+              </a:ext>
+            </a:extLst>
+          </p:cNvPr>
+          <p:cNvPicPr>
+            <a:picLocks noChangeAspect="1"/>
+          </p:cNvPicPr>
+          <p:nvPr/>
+        </p:nvPicPr>
+        <p:blipFill>
+          <a:blip r:embed="rId4">
+            <a:extLst>
+              <a:ext uri="{28A0092B-C50C-407E-A947-70E740481C1C}">
+                <a14:useLocalDpi xmlns:a14="http://schemas.microsoft.com/office/drawing/2010/main" val="0"/>
+              </a:ext>
+            </a:extLst>
+          </a:blip>
+          <a:stretch>
+            <a:fillRect/>
+          </a:stretch>
+        </p:blipFill>
+        <p:spPr>
+          <a:xfrm>
+            <a:off x="1195012" y="2743485"/>
+            <a:ext cx="5382376" cy="2172003"/>
+          </a:xfrm>
+          <a:prstGeom prst="rect">
+            <a:avLst/>
+          </a:prstGeom>
+        </p:spPr>
+      </p:pic>
+      <p:pic>
+        <p:nvPicPr>
+          <p:cNvPr id="133" name="Picture 132" descr="Shape, rectangle&#10;&#10;Description automatically generated">
+            <a:extLst>
+              <a:ext uri="{FF2B5EF4-FFF2-40B4-BE49-F238E27FC236}">
+                <a16:creationId xmlns:a16="http://schemas.microsoft.com/office/drawing/2014/main" id="{B0B9AF41-4556-4300-B4A2-F1D7CDEBB5A7}"/>
+              </a:ext>
+            </a:extLst>
+          </p:cNvPr>
+          <p:cNvPicPr>
+            <a:picLocks noChangeAspect="1"/>
+          </p:cNvPicPr>
+          <p:nvPr/>
+        </p:nvPicPr>
+        <p:blipFill>
+          <a:blip r:embed="rId5">
+            <a:extLst>
+              <a:ext uri="{28A0092B-C50C-407E-A947-70E740481C1C}">
+                <a14:useLocalDpi xmlns:a14="http://schemas.microsoft.com/office/drawing/2010/main" val="0"/>
+              </a:ext>
+            </a:extLst>
+          </a:blip>
+          <a:stretch>
+            <a:fillRect/>
+          </a:stretch>
+        </p:blipFill>
+        <p:spPr>
+          <a:xfrm>
+            <a:off x="1195012" y="421119"/>
+            <a:ext cx="5382376" cy="2172003"/>
+          </a:xfrm>
+          <a:prstGeom prst="rect">
+            <a:avLst/>
+          </a:prstGeom>
+        </p:spPr>
+      </p:pic>
     </p:spTree>
     <p:extLst>
       <p:ext uri="{BB962C8B-B14F-4D97-AF65-F5344CB8AC3E}">
@@ -3677,7 +6642,7 @@
 </p:sld>
 </file>
 
-<file path=ppt/slides/slide13.xml><?xml version="1.0" encoding="utf-8"?>
+<file path=ppt/slides/slide14.xml><?xml version="1.0" encoding="utf-8"?>
 <p:sld xmlns:a="http://schemas.openxmlformats.org/drawingml/2006/main" xmlns:r="http://schemas.openxmlformats.org/officeDocument/2006/relationships" xmlns:p="http://schemas.openxmlformats.org/presentationml/2006/main">
   <p:cSld>
     <p:spTree>
@@ -10489,7 +13454,7 @@
 </p:sld>
 </file>
 
-<file path=ppt/slides/slide14.xml><?xml version="1.0" encoding="utf-8"?>
+<file path=ppt/slides/slide15.xml><?xml version="1.0" encoding="utf-8"?>
 <p:sld xmlns:a="http://schemas.openxmlformats.org/drawingml/2006/main" xmlns:r="http://schemas.openxmlformats.org/officeDocument/2006/relationships" xmlns:p="http://schemas.openxmlformats.org/presentationml/2006/main">
   <p:cSld>
     <p:spTree>
@@ -10530,7 +13495,7 @@
         </p:blipFill>
         <p:spPr>
           <a:xfrm>
-            <a:off x="0" y="5925123"/>
+            <a:off x="0" y="5534979"/>
             <a:ext cx="7772400" cy="1130249"/>
           </a:xfrm>
           <a:prstGeom prst="rect">
@@ -10560,7 +13525,7 @@
         </p:blipFill>
         <p:spPr>
           <a:xfrm>
-            <a:off x="0" y="1240581"/>
+            <a:off x="0" y="850437"/>
             <a:ext cx="7772400" cy="1130249"/>
           </a:xfrm>
           <a:prstGeom prst="rect">
@@ -10590,7 +13555,7 @@
         </p:blipFill>
         <p:spPr>
           <a:xfrm>
-            <a:off x="0" y="2588816"/>
+            <a:off x="0" y="2198672"/>
             <a:ext cx="7772400" cy="1130249"/>
           </a:xfrm>
           <a:prstGeom prst="rect">
@@ -10620,7 +13585,7 @@
         </p:blipFill>
         <p:spPr>
           <a:xfrm>
-            <a:off x="0" y="7273358"/>
+            <a:off x="0" y="6883214"/>
             <a:ext cx="7772400" cy="1130249"/>
           </a:xfrm>
           <a:prstGeom prst="rect">
@@ -10650,7 +13615,7 @@
         </p:blipFill>
         <p:spPr>
           <a:xfrm>
-            <a:off x="0" y="3937051"/>
+            <a:off x="0" y="3546907"/>
             <a:ext cx="7772400" cy="1130249"/>
           </a:xfrm>
           <a:prstGeom prst="rect">
@@ -10680,7 +13645,7 @@
         </p:blipFill>
         <p:spPr>
           <a:xfrm>
-            <a:off x="0" y="8550802"/>
+            <a:off x="0" y="8160658"/>
             <a:ext cx="7772400" cy="1130249"/>
           </a:xfrm>
           <a:prstGeom prst="rect">
@@ -10702,7 +13667,7 @@
         </p:nvSpPr>
         <p:spPr>
           <a:xfrm>
-            <a:off x="146304" y="653263"/>
+            <a:off x="146304" y="263119"/>
             <a:ext cx="1193340" cy="369332"/>
           </a:xfrm>
           <a:prstGeom prst="rect">
@@ -10737,7 +13702,7 @@
         </p:nvSpPr>
         <p:spPr>
           <a:xfrm>
-            <a:off x="146304" y="5337805"/>
+            <a:off x="146304" y="4947661"/>
             <a:ext cx="1110753" cy="369332"/>
           </a:xfrm>
           <a:prstGeom prst="rect">
@@ -10772,7 +13737,7 @@
         </p:nvSpPr>
         <p:spPr>
           <a:xfrm>
-            <a:off x="146304" y="984920"/>
+            <a:off x="146304" y="594776"/>
             <a:ext cx="413896" cy="307777"/>
           </a:xfrm>
           <a:prstGeom prst="rect">
@@ -10807,7 +13772,7 @@
         </p:nvSpPr>
         <p:spPr>
           <a:xfrm>
-            <a:off x="146304" y="2345098"/>
+            <a:off x="146304" y="1954954"/>
             <a:ext cx="490840" cy="307777"/>
           </a:xfrm>
           <a:prstGeom prst="rect">
@@ -10842,7 +13807,7 @@
         </p:nvSpPr>
         <p:spPr>
           <a:xfrm>
-            <a:off x="141109" y="3670178"/>
+            <a:off x="141109" y="3280034"/>
             <a:ext cx="724878" cy="307777"/>
           </a:xfrm>
           <a:prstGeom prst="rect">
@@ -10877,7 +13842,7 @@
         </p:nvSpPr>
         <p:spPr>
           <a:xfrm>
-            <a:off x="146304" y="5674188"/>
+            <a:off x="146304" y="5284044"/>
             <a:ext cx="413896" cy="307777"/>
           </a:xfrm>
           <a:prstGeom prst="rect">
@@ -10912,7 +13877,7 @@
         </p:nvSpPr>
         <p:spPr>
           <a:xfrm>
-            <a:off x="146304" y="7009982"/>
+            <a:off x="146304" y="6619838"/>
             <a:ext cx="490840" cy="307777"/>
           </a:xfrm>
           <a:prstGeom prst="rect">
@@ -10947,7 +13912,7 @@
         </p:nvSpPr>
         <p:spPr>
           <a:xfrm>
-            <a:off x="141109" y="8298486"/>
+            <a:off x="141109" y="7908342"/>
             <a:ext cx="724878" cy="307777"/>
           </a:xfrm>
           <a:prstGeom prst="rect">
@@ -10968,78 +13933,12 @@
           </a:p>
         </p:txBody>
       </p:sp>
-    </p:spTree>
-    <p:extLst>
-      <p:ext uri="{BB962C8B-B14F-4D97-AF65-F5344CB8AC3E}">
-        <p14:creationId xmlns:p14="http://schemas.microsoft.com/office/powerpoint/2010/main" val="2512235312"/>
-      </p:ext>
-    </p:extLst>
-  </p:cSld>
-  <p:clrMapOvr>
-    <a:masterClrMapping/>
-  </p:clrMapOvr>
-</p:sld>
-</file>
-
-<file path=ppt/slides/slide15.xml><?xml version="1.0" encoding="utf-8"?>
-<p:sld xmlns:a="http://schemas.openxmlformats.org/drawingml/2006/main" xmlns:r="http://schemas.openxmlformats.org/officeDocument/2006/relationships" xmlns:p="http://schemas.openxmlformats.org/presentationml/2006/main">
-  <p:cSld>
-    <p:spTree>
-      <p:nvGrpSpPr>
-        <p:cNvPr id="1" name=""/>
-        <p:cNvGrpSpPr/>
-        <p:nvPr/>
-      </p:nvGrpSpPr>
-      <p:grpSpPr>
-        <a:xfrm>
-          <a:off x="0" y="0"/>
-          <a:ext cx="0" cy="0"/>
-          <a:chOff x="0" y="0"/>
-          <a:chExt cx="0" cy="0"/>
-        </a:xfrm>
-      </p:grpSpPr>
-      <p:pic>
-        <p:nvPicPr>
-          <p:cNvPr id="5" name="Picture 4" descr="Diagram&#10;&#10;Description automatically generated">
+      <p:sp>
+        <p:nvSpPr>
+          <p:cNvPr id="16" name="TextBox 15">
             <a:extLst>
               <a:ext uri="{FF2B5EF4-FFF2-40B4-BE49-F238E27FC236}">
-                <a16:creationId xmlns:a16="http://schemas.microsoft.com/office/drawing/2014/main" id="{9AB7072A-6A6D-45F7-B22E-65FD26423AC7}"/>
-              </a:ext>
-            </a:extLst>
-          </p:cNvPr>
-          <p:cNvPicPr>
-            <a:picLocks noChangeAspect="1"/>
-          </p:cNvPicPr>
-          <p:nvPr/>
-        </p:nvPicPr>
-        <p:blipFill>
-          <a:blip r:embed="rId2">
-            <a:extLst>
-              <a:ext uri="{28A0092B-C50C-407E-A947-70E740481C1C}">
-                <a14:useLocalDpi xmlns:a14="http://schemas.microsoft.com/office/drawing/2010/main" val="0"/>
-              </a:ext>
-            </a:extLst>
-          </a:blip>
-          <a:stretch>
-            <a:fillRect/>
-          </a:stretch>
-        </p:blipFill>
-        <p:spPr>
-          <a:xfrm>
-            <a:off x="2347698" y="1257549"/>
-            <a:ext cx="3077004" cy="1886213"/>
-          </a:xfrm>
-          <a:prstGeom prst="rect">
-            <a:avLst/>
-          </a:prstGeom>
-        </p:spPr>
-      </p:pic>
-      <p:sp>
-        <p:nvSpPr>
-          <p:cNvPr id="6" name="TextBox 5">
-            <a:extLst>
-              <a:ext uri="{FF2B5EF4-FFF2-40B4-BE49-F238E27FC236}">
-                <a16:creationId xmlns:a16="http://schemas.microsoft.com/office/drawing/2014/main" id="{11C01ABA-70A7-40E8-B313-1572BC662ED7}"/>
+                <a16:creationId xmlns:a16="http://schemas.microsoft.com/office/drawing/2014/main" id="{B22E9711-4AA3-41DD-9C6E-F29576AA48EE}"/>
               </a:ext>
             </a:extLst>
           </p:cNvPr>
@@ -11048,8 +13947,8 @@
         </p:nvSpPr>
         <p:spPr>
           <a:xfrm>
-            <a:off x="1557294" y="7205568"/>
-            <a:ext cx="5051832" cy="369332"/>
+            <a:off x="0" y="9795281"/>
+            <a:ext cx="7772400" cy="246221"/>
           </a:xfrm>
           <a:prstGeom prst="rect">
             <a:avLst/>
@@ -11057,243 +13956,36 @@
           <a:noFill/>
         </p:spPr>
         <p:txBody>
-          <a:bodyPr wrap="none" rtlCol="0">
+          <a:bodyPr wrap="square" rtlCol="0">
             <a:spAutoFit/>
           </a:bodyPr>
           <a:lstStyle/>
           <a:p>
             <a:r>
-              <a:rPr lang="en-US" b="1" dirty="0">
-                <a:solidFill>
-                  <a:srgbClr val="FF0000"/>
-                </a:solidFill>
+              <a:rPr lang="en-US" sz="1000" b="1" dirty="0">
+                <a:latin typeface="Arial" panose="020B0604020202020204" pitchFamily="34" charset="0"/>
+                <a:cs typeface="Arial" panose="020B0604020202020204" pitchFamily="34" charset="0"/>
               </a:rPr>
-              <a:t>Identity of unknown: </a:t>
-            </a:r>
-            <a:r>
-              <a:rPr lang="en-US" b="1" dirty="0" err="1">
-                <a:solidFill>
-                  <a:srgbClr val="FF0000"/>
-                </a:solidFill>
+              <a:t>Figure 5. </a:t>
+            </a:r>
+            <a:r>
+              <a:rPr lang="en-US" sz="1000" dirty="0">
+                <a:latin typeface="Arial" panose="020B0604020202020204" pitchFamily="34" charset="0"/>
+                <a:cs typeface="Arial" panose="020B0604020202020204" pitchFamily="34" charset="0"/>
               </a:rPr>
-              <a:t>Isoscutellarein</a:t>
-            </a:r>
-            <a:r>
-              <a:rPr lang="en-US" b="1" dirty="0">
-                <a:solidFill>
-                  <a:srgbClr val="FF0000"/>
-                </a:solidFill>
-              </a:rPr>
-              <a:t> 8-glucuronide </a:t>
-            </a:r>
-          </a:p>
-        </p:txBody>
-      </p:sp>
-      <p:sp>
-        <p:nvSpPr>
-          <p:cNvPr id="7" name="TextBox 6">
-            <a:extLst>
-              <a:ext uri="{FF2B5EF4-FFF2-40B4-BE49-F238E27FC236}">
-                <a16:creationId xmlns:a16="http://schemas.microsoft.com/office/drawing/2014/main" id="{7729B024-8E89-436D-9ED5-E5AC23DAEDED}"/>
-              </a:ext>
-            </a:extLst>
-          </p:cNvPr>
-          <p:cNvSpPr txBox="1"/>
-          <p:nvPr/>
-        </p:nvSpPr>
-        <p:spPr>
-          <a:xfrm>
-            <a:off x="534353" y="548640"/>
-            <a:ext cx="3548857" cy="369332"/>
-          </a:xfrm>
-          <a:prstGeom prst="rect">
-            <a:avLst/>
-          </a:prstGeom>
-          <a:noFill/>
-        </p:spPr>
-        <p:txBody>
-          <a:bodyPr wrap="none" rtlCol="0">
-            <a:spAutoFit/>
-          </a:bodyPr>
-          <a:lstStyle/>
-          <a:p>
-            <a:r>
-              <a:rPr lang="en-US" dirty="0"/>
-              <a:t>Predicted structure from NMR data:</a:t>
-            </a:r>
-          </a:p>
-        </p:txBody>
-      </p:sp>
-      <p:pic>
-        <p:nvPicPr>
-          <p:cNvPr id="2050" name="Picture 2">
-            <a:extLst>
-              <a:ext uri="{FF2B5EF4-FFF2-40B4-BE49-F238E27FC236}">
-                <a16:creationId xmlns:a16="http://schemas.microsoft.com/office/drawing/2014/main" id="{6870DA77-5465-4A38-A355-C6F268B496D3}"/>
-              </a:ext>
-            </a:extLst>
-          </p:cNvPr>
-          <p:cNvPicPr>
-            <a:picLocks noChangeAspect="1" noChangeArrowheads="1"/>
-          </p:cNvPicPr>
-          <p:nvPr/>
-        </p:nvPicPr>
-        <p:blipFill>
-          <a:blip r:embed="rId3">
-            <a:extLst>
-              <a:ext uri="{28A0092B-C50C-407E-A947-70E740481C1C}">
-                <a14:useLocalDpi xmlns:a14="http://schemas.microsoft.com/office/drawing/2010/main" val="0"/>
-              </a:ext>
-            </a:extLst>
-          </a:blip>
-          <a:srcRect/>
-          <a:stretch>
-            <a:fillRect/>
-          </a:stretch>
-        </p:blipFill>
-        <p:spPr bwMode="auto">
-          <a:xfrm rot="10800000">
-            <a:off x="2457450" y="3838248"/>
-            <a:ext cx="2857500" cy="2857500"/>
-          </a:xfrm>
-          <a:prstGeom prst="rect">
-            <a:avLst/>
-          </a:prstGeom>
-          <a:noFill/>
-          <a:extLst>
-            <a:ext uri="{909E8E84-426E-40DD-AFC4-6F175D3DCCD1}">
-              <a14:hiddenFill xmlns:a14="http://schemas.microsoft.com/office/drawing/2010/main">
-                <a:solidFill>
-                  <a:srgbClr val="FFFFFF"/>
-                </a:solidFill>
-              </a14:hiddenFill>
-            </a:ext>
-          </a:extLst>
-        </p:spPr>
-      </p:pic>
-      <p:sp>
-        <p:nvSpPr>
-          <p:cNvPr id="9" name="TextBox 8">
-            <a:extLst>
-              <a:ext uri="{FF2B5EF4-FFF2-40B4-BE49-F238E27FC236}">
-                <a16:creationId xmlns:a16="http://schemas.microsoft.com/office/drawing/2014/main" id="{A9EE320B-31B0-4AEA-9CA0-7F2066C7F71D}"/>
-              </a:ext>
-            </a:extLst>
-          </p:cNvPr>
-          <p:cNvSpPr txBox="1"/>
-          <p:nvPr/>
-        </p:nvSpPr>
-        <p:spPr>
-          <a:xfrm>
-            <a:off x="534353" y="3310366"/>
-            <a:ext cx="3992375" cy="369332"/>
-          </a:xfrm>
-          <a:prstGeom prst="rect">
-            <a:avLst/>
-          </a:prstGeom>
-          <a:noFill/>
-        </p:spPr>
-        <p:txBody>
-          <a:bodyPr wrap="none" rtlCol="0">
-            <a:spAutoFit/>
-          </a:bodyPr>
-          <a:lstStyle/>
-          <a:p>
-            <a:r>
-              <a:rPr lang="en-US" dirty="0"/>
-              <a:t>Structure from PubChem: </a:t>
-            </a:r>
-            <a:r>
-              <a:rPr lang="en-US" dirty="0" err="1"/>
-              <a:t>Isoscutellarein</a:t>
-            </a:r>
-            <a:endParaRPr lang="en-US" dirty="0"/>
-          </a:p>
-        </p:txBody>
-      </p:sp>
-      <p:sp>
-        <p:nvSpPr>
-          <p:cNvPr id="8" name="TextBox 7">
-            <a:extLst>
-              <a:ext uri="{FF2B5EF4-FFF2-40B4-BE49-F238E27FC236}">
-                <a16:creationId xmlns:a16="http://schemas.microsoft.com/office/drawing/2014/main" id="{422C3E49-94EC-4B7B-8584-34DB76E1E0E5}"/>
-              </a:ext>
-            </a:extLst>
-          </p:cNvPr>
-          <p:cNvSpPr txBox="1"/>
-          <p:nvPr/>
-        </p:nvSpPr>
-        <p:spPr>
-          <a:xfrm>
-            <a:off x="534353" y="8054721"/>
-            <a:ext cx="6236323" cy="1477328"/>
-          </a:xfrm>
-          <a:prstGeom prst="rect">
-            <a:avLst/>
-          </a:prstGeom>
-          <a:noFill/>
-        </p:spPr>
-        <p:txBody>
-          <a:bodyPr wrap="none" rtlCol="0">
-            <a:spAutoFit/>
-          </a:bodyPr>
-          <a:lstStyle/>
-          <a:p>
-            <a:r>
-              <a:rPr lang="en-US" b="1" dirty="0"/>
-              <a:t>TODO:</a:t>
-            </a:r>
-          </a:p>
-          <a:p>
-            <a:r>
-              <a:rPr lang="en-US" dirty="0"/>
-              <a:t>Quantify </a:t>
-            </a:r>
-            <a:r>
-              <a:rPr lang="en-US" dirty="0" err="1"/>
-              <a:t>isoscutellarein</a:t>
-            </a:r>
-            <a:r>
-              <a:rPr lang="en-US" dirty="0"/>
-              <a:t> 8-glucuronide in all extractions</a:t>
-            </a:r>
-          </a:p>
-          <a:p>
-            <a:r>
-              <a:rPr lang="en-US" dirty="0"/>
-              <a:t>Apigenin feeding </a:t>
-            </a:r>
-          </a:p>
-          <a:p>
-            <a:r>
-              <a:rPr lang="en-US" dirty="0"/>
-              <a:t>Yeast activity test with </a:t>
-            </a:r>
-            <a:r>
-              <a:rPr lang="en-US" dirty="0" err="1"/>
-              <a:t>Rieske</a:t>
-            </a:r>
-            <a:r>
-              <a:rPr lang="en-US" dirty="0"/>
-              <a:t>-type oxygenase from </a:t>
-            </a:r>
-            <a:r>
-              <a:rPr lang="en-US" i="1" dirty="0"/>
-              <a:t>S. baicalensis</a:t>
-            </a:r>
-          </a:p>
-          <a:p>
-            <a:r>
-              <a:rPr lang="en-US" dirty="0"/>
-              <a:t>Tobacco infiltration with RTO</a:t>
-            </a:r>
+              <a:t>LC-MS + NMR data used to elucidate identity of unknown metabolite.</a:t>
+            </a:r>
+            <a:endParaRPr lang="en-US" sz="1000" b="1" dirty="0">
+              <a:latin typeface="Arial" panose="020B0604020202020204" pitchFamily="34" charset="0"/>
+              <a:cs typeface="Arial" panose="020B0604020202020204" pitchFamily="34" charset="0"/>
+            </a:endParaRPr>
           </a:p>
         </p:txBody>
       </p:sp>
     </p:spTree>
     <p:extLst>
       <p:ext uri="{BB962C8B-B14F-4D97-AF65-F5344CB8AC3E}">
-        <p14:creationId xmlns:p14="http://schemas.microsoft.com/office/powerpoint/2010/main" val="3076272042"/>
+        <p14:creationId xmlns:p14="http://schemas.microsoft.com/office/powerpoint/2010/main" val="2512235312"/>
       </p:ext>
     </p:extLst>
   </p:cSld>
@@ -11322,6 +14014,1028 @@
       </p:grpSpPr>
       <p:pic>
         <p:nvPicPr>
+          <p:cNvPr id="5" name="Picture 4" descr="Diagram&#10;&#10;Description automatically generated">
+            <a:extLst>
+              <a:ext uri="{FF2B5EF4-FFF2-40B4-BE49-F238E27FC236}">
+                <a16:creationId xmlns:a16="http://schemas.microsoft.com/office/drawing/2014/main" id="{9AB7072A-6A6D-45F7-B22E-65FD26423AC7}"/>
+              </a:ext>
+            </a:extLst>
+          </p:cNvPr>
+          <p:cNvPicPr>
+            <a:picLocks noChangeAspect="1"/>
+          </p:cNvPicPr>
+          <p:nvPr/>
+        </p:nvPicPr>
+        <p:blipFill>
+          <a:blip r:embed="rId2">
+            <a:extLst>
+              <a:ext uri="{28A0092B-C50C-407E-A947-70E740481C1C}">
+                <a14:useLocalDpi xmlns:a14="http://schemas.microsoft.com/office/drawing/2010/main" val="0"/>
+              </a:ext>
+            </a:extLst>
+          </a:blip>
+          <a:stretch>
+            <a:fillRect/>
+          </a:stretch>
+        </p:blipFill>
+        <p:spPr>
+          <a:xfrm>
+            <a:off x="2347698" y="1706440"/>
+            <a:ext cx="3077004" cy="1886213"/>
+          </a:xfrm>
+          <a:prstGeom prst="rect">
+            <a:avLst/>
+          </a:prstGeom>
+        </p:spPr>
+      </p:pic>
+      <p:sp>
+        <p:nvSpPr>
+          <p:cNvPr id="6" name="TextBox 5">
+            <a:extLst>
+              <a:ext uri="{FF2B5EF4-FFF2-40B4-BE49-F238E27FC236}">
+                <a16:creationId xmlns:a16="http://schemas.microsoft.com/office/drawing/2014/main" id="{11C01ABA-70A7-40E8-B313-1572BC662ED7}"/>
+              </a:ext>
+            </a:extLst>
+          </p:cNvPr>
+          <p:cNvSpPr txBox="1"/>
+          <p:nvPr/>
+        </p:nvSpPr>
+        <p:spPr>
+          <a:xfrm>
+            <a:off x="1360285" y="6745544"/>
+            <a:ext cx="5051832" cy="369332"/>
+          </a:xfrm>
+          <a:prstGeom prst="rect">
+            <a:avLst/>
+          </a:prstGeom>
+          <a:noFill/>
+        </p:spPr>
+        <p:txBody>
+          <a:bodyPr wrap="none" rtlCol="0">
+            <a:spAutoFit/>
+          </a:bodyPr>
+          <a:lstStyle/>
+          <a:p>
+            <a:r>
+              <a:rPr lang="en-US" b="1" dirty="0">
+                <a:solidFill>
+                  <a:srgbClr val="FF0000"/>
+                </a:solidFill>
+              </a:rPr>
+              <a:t>Identity of unknown: </a:t>
+            </a:r>
+            <a:r>
+              <a:rPr lang="en-US" b="1" dirty="0" err="1">
+                <a:solidFill>
+                  <a:srgbClr val="FF0000"/>
+                </a:solidFill>
+              </a:rPr>
+              <a:t>Isoscutellarein</a:t>
+            </a:r>
+            <a:r>
+              <a:rPr lang="en-US" b="1" dirty="0">
+                <a:solidFill>
+                  <a:srgbClr val="FF0000"/>
+                </a:solidFill>
+              </a:rPr>
+              <a:t> 8-glucuronide </a:t>
+            </a:r>
+          </a:p>
+        </p:txBody>
+      </p:sp>
+      <p:sp>
+        <p:nvSpPr>
+          <p:cNvPr id="7" name="TextBox 6">
+            <a:extLst>
+              <a:ext uri="{FF2B5EF4-FFF2-40B4-BE49-F238E27FC236}">
+                <a16:creationId xmlns:a16="http://schemas.microsoft.com/office/drawing/2014/main" id="{7729B024-8E89-436D-9ED5-E5AC23DAEDED}"/>
+              </a:ext>
+            </a:extLst>
+          </p:cNvPr>
+          <p:cNvSpPr txBox="1"/>
+          <p:nvPr/>
+        </p:nvSpPr>
+        <p:spPr>
+          <a:xfrm>
+            <a:off x="534354" y="1231392"/>
+            <a:ext cx="3548857" cy="369332"/>
+          </a:xfrm>
+          <a:prstGeom prst="rect">
+            <a:avLst/>
+          </a:prstGeom>
+          <a:noFill/>
+        </p:spPr>
+        <p:txBody>
+          <a:bodyPr wrap="none" rtlCol="0">
+            <a:spAutoFit/>
+          </a:bodyPr>
+          <a:lstStyle/>
+          <a:p>
+            <a:r>
+              <a:rPr lang="en-US" dirty="0"/>
+              <a:t>Predicted structure from NMR data:</a:t>
+            </a:r>
+          </a:p>
+        </p:txBody>
+      </p:sp>
+      <p:pic>
+        <p:nvPicPr>
+          <p:cNvPr id="2050" name="Picture 2">
+            <a:extLst>
+              <a:ext uri="{FF2B5EF4-FFF2-40B4-BE49-F238E27FC236}">
+                <a16:creationId xmlns:a16="http://schemas.microsoft.com/office/drawing/2014/main" id="{6870DA77-5465-4A38-A355-C6F268B496D3}"/>
+              </a:ext>
+            </a:extLst>
+          </p:cNvPr>
+          <p:cNvPicPr>
+            <a:picLocks noChangeAspect="1" noChangeArrowheads="1"/>
+          </p:cNvPicPr>
+          <p:nvPr/>
+        </p:nvPicPr>
+        <p:blipFill>
+          <a:blip r:embed="rId3">
+            <a:extLst>
+              <a:ext uri="{28A0092B-C50C-407E-A947-70E740481C1C}">
+                <a14:useLocalDpi xmlns:a14="http://schemas.microsoft.com/office/drawing/2010/main" val="0"/>
+              </a:ext>
+            </a:extLst>
+          </a:blip>
+          <a:srcRect/>
+          <a:stretch>
+            <a:fillRect/>
+          </a:stretch>
+        </p:blipFill>
+        <p:spPr bwMode="auto">
+          <a:xfrm rot="10800000">
+            <a:off x="2764917" y="4285339"/>
+            <a:ext cx="2242566" cy="2242566"/>
+          </a:xfrm>
+          <a:prstGeom prst="rect">
+            <a:avLst/>
+          </a:prstGeom>
+          <a:noFill/>
+          <a:extLst>
+            <a:ext uri="{909E8E84-426E-40DD-AFC4-6F175D3DCCD1}">
+              <a14:hiddenFill xmlns:a14="http://schemas.microsoft.com/office/drawing/2010/main">
+                <a:solidFill>
+                  <a:srgbClr val="FFFFFF"/>
+                </a:solidFill>
+              </a14:hiddenFill>
+            </a:ext>
+          </a:extLst>
+        </p:spPr>
+      </p:pic>
+      <p:sp>
+        <p:nvSpPr>
+          <p:cNvPr id="9" name="TextBox 8">
+            <a:extLst>
+              <a:ext uri="{FF2B5EF4-FFF2-40B4-BE49-F238E27FC236}">
+                <a16:creationId xmlns:a16="http://schemas.microsoft.com/office/drawing/2014/main" id="{A9EE320B-31B0-4AEA-9CA0-7F2066C7F71D}"/>
+              </a:ext>
+            </a:extLst>
+          </p:cNvPr>
+          <p:cNvSpPr txBox="1"/>
+          <p:nvPr/>
+        </p:nvSpPr>
+        <p:spPr>
+          <a:xfrm>
+            <a:off x="534353" y="3810291"/>
+            <a:ext cx="3992375" cy="369332"/>
+          </a:xfrm>
+          <a:prstGeom prst="rect">
+            <a:avLst/>
+          </a:prstGeom>
+          <a:noFill/>
+        </p:spPr>
+        <p:txBody>
+          <a:bodyPr wrap="none" rtlCol="0">
+            <a:spAutoFit/>
+          </a:bodyPr>
+          <a:lstStyle/>
+          <a:p>
+            <a:r>
+              <a:rPr lang="en-US" dirty="0"/>
+              <a:t>Structure from PubChem: </a:t>
+            </a:r>
+            <a:r>
+              <a:rPr lang="en-US" dirty="0" err="1"/>
+              <a:t>Isoscutellarein</a:t>
+            </a:r>
+            <a:endParaRPr lang="en-US" dirty="0"/>
+          </a:p>
+        </p:txBody>
+      </p:sp>
+      <p:sp>
+        <p:nvSpPr>
+          <p:cNvPr id="8" name="TextBox 7">
+            <a:extLst>
+              <a:ext uri="{FF2B5EF4-FFF2-40B4-BE49-F238E27FC236}">
+                <a16:creationId xmlns:a16="http://schemas.microsoft.com/office/drawing/2014/main" id="{422C3E49-94EC-4B7B-8584-34DB76E1E0E5}"/>
+              </a:ext>
+            </a:extLst>
+          </p:cNvPr>
+          <p:cNvSpPr txBox="1"/>
+          <p:nvPr/>
+        </p:nvSpPr>
+        <p:spPr>
+          <a:xfrm>
+            <a:off x="534353" y="7783618"/>
+            <a:ext cx="6236323" cy="1477328"/>
+          </a:xfrm>
+          <a:prstGeom prst="rect">
+            <a:avLst/>
+          </a:prstGeom>
+          <a:noFill/>
+        </p:spPr>
+        <p:txBody>
+          <a:bodyPr wrap="none" rtlCol="0">
+            <a:spAutoFit/>
+          </a:bodyPr>
+          <a:lstStyle/>
+          <a:p>
+            <a:r>
+              <a:rPr lang="en-US" b="1" dirty="0"/>
+              <a:t>TODO:</a:t>
+            </a:r>
+          </a:p>
+          <a:p>
+            <a:r>
+              <a:rPr lang="en-US" dirty="0"/>
+              <a:t>Quantify </a:t>
+            </a:r>
+            <a:r>
+              <a:rPr lang="en-US" dirty="0" err="1"/>
+              <a:t>isoscutellarein</a:t>
+            </a:r>
+            <a:r>
+              <a:rPr lang="en-US" dirty="0"/>
+              <a:t> 8-glucuronide in all extractions</a:t>
+            </a:r>
+          </a:p>
+          <a:p>
+            <a:r>
+              <a:rPr lang="en-US" dirty="0"/>
+              <a:t>Apigenin feeding </a:t>
+            </a:r>
+          </a:p>
+          <a:p>
+            <a:r>
+              <a:rPr lang="en-US" dirty="0"/>
+              <a:t>Yeast activity test with </a:t>
+            </a:r>
+            <a:r>
+              <a:rPr lang="en-US" dirty="0" err="1"/>
+              <a:t>Rieske</a:t>
+            </a:r>
+            <a:r>
+              <a:rPr lang="en-US" dirty="0"/>
+              <a:t>-type oxygenase from </a:t>
+            </a:r>
+            <a:r>
+              <a:rPr lang="en-US" i="1" dirty="0"/>
+              <a:t>S. baicalensis</a:t>
+            </a:r>
+          </a:p>
+          <a:p>
+            <a:r>
+              <a:rPr lang="en-US" dirty="0"/>
+              <a:t>Tobacco infiltration with RTO</a:t>
+            </a:r>
+          </a:p>
+        </p:txBody>
+      </p:sp>
+    </p:spTree>
+    <p:extLst>
+      <p:ext uri="{BB962C8B-B14F-4D97-AF65-F5344CB8AC3E}">
+        <p14:creationId xmlns:p14="http://schemas.microsoft.com/office/powerpoint/2010/main" val="3076272042"/>
+      </p:ext>
+    </p:extLst>
+  </p:cSld>
+  <p:clrMapOvr>
+    <a:masterClrMapping/>
+  </p:clrMapOvr>
+</p:sld>
+</file>
+
+<file path=ppt/slides/slide17.xml><?xml version="1.0" encoding="utf-8"?>
+<p:sld xmlns:a="http://schemas.openxmlformats.org/drawingml/2006/main" xmlns:r="http://schemas.openxmlformats.org/officeDocument/2006/relationships" xmlns:p="http://schemas.openxmlformats.org/presentationml/2006/main">
+  <p:cSld>
+    <p:spTree>
+      <p:nvGrpSpPr>
+        <p:cNvPr id="1" name=""/>
+        <p:cNvGrpSpPr/>
+        <p:nvPr/>
+      </p:nvGrpSpPr>
+      <p:grpSpPr>
+        <a:xfrm>
+          <a:off x="0" y="0"/>
+          <a:ext cx="0" cy="0"/>
+          <a:chOff x="0" y="0"/>
+          <a:chExt cx="0" cy="0"/>
+        </a:xfrm>
+      </p:grpSpPr>
+      <p:sp>
+        <p:nvSpPr>
+          <p:cNvPr id="4" name="TextBox 3">
+            <a:extLst>
+              <a:ext uri="{FF2B5EF4-FFF2-40B4-BE49-F238E27FC236}">
+                <a16:creationId xmlns:a16="http://schemas.microsoft.com/office/drawing/2014/main" id="{36549D97-120A-42B0-B1D3-D4E01A6D3BE4}"/>
+              </a:ext>
+            </a:extLst>
+          </p:cNvPr>
+          <p:cNvSpPr txBox="1"/>
+          <p:nvPr/>
+        </p:nvSpPr>
+        <p:spPr>
+          <a:xfrm>
+            <a:off x="0" y="4513302"/>
+            <a:ext cx="7772400" cy="553998"/>
+          </a:xfrm>
+          <a:prstGeom prst="rect">
+            <a:avLst/>
+          </a:prstGeom>
+          <a:noFill/>
+        </p:spPr>
+        <p:txBody>
+          <a:bodyPr wrap="square" rtlCol="0">
+            <a:spAutoFit/>
+          </a:bodyPr>
+          <a:lstStyle/>
+          <a:p>
+            <a:r>
+              <a:rPr lang="en-US" sz="1000" b="1" dirty="0">
+                <a:latin typeface="Arial" panose="020B0604020202020204" pitchFamily="34" charset="0"/>
+                <a:cs typeface="Arial" panose="020B0604020202020204" pitchFamily="34" charset="0"/>
+              </a:rPr>
+              <a:t>Figure 6. </a:t>
+            </a:r>
+            <a:r>
+              <a:rPr lang="en-US" sz="1000" dirty="0">
+                <a:latin typeface="Arial" panose="020B0604020202020204" pitchFamily="34" charset="0"/>
+                <a:cs typeface="Arial" panose="020B0604020202020204" pitchFamily="34" charset="0"/>
+              </a:rPr>
+              <a:t>Organ-specific </a:t>
+            </a:r>
+            <a:r>
+              <a:rPr lang="en-US" sz="1000" dirty="0" err="1">
+                <a:latin typeface="Arial" panose="020B0604020202020204" pitchFamily="34" charset="0"/>
+                <a:cs typeface="Arial" panose="020B0604020202020204" pitchFamily="34" charset="0"/>
+              </a:rPr>
+              <a:t>isoscutellarein</a:t>
+            </a:r>
+            <a:r>
+              <a:rPr lang="en-US" sz="1000" dirty="0">
+                <a:latin typeface="Arial" panose="020B0604020202020204" pitchFamily="34" charset="0"/>
+                <a:cs typeface="Arial" panose="020B0604020202020204" pitchFamily="34" charset="0"/>
+              </a:rPr>
+              <a:t> 8-glucuronide concentrations in 9 </a:t>
+            </a:r>
+            <a:r>
+              <a:rPr lang="en-US" sz="1000" i="1" dirty="0">
+                <a:latin typeface="Arial" panose="020B0604020202020204" pitchFamily="34" charset="0"/>
+                <a:cs typeface="Arial" panose="020B0604020202020204" pitchFamily="34" charset="0"/>
+              </a:rPr>
+              <a:t>Scutellaria </a:t>
+            </a:r>
+            <a:r>
+              <a:rPr lang="en-US" sz="1000" dirty="0">
+                <a:latin typeface="Arial" panose="020B0604020202020204" pitchFamily="34" charset="0"/>
+                <a:cs typeface="Arial" panose="020B0604020202020204" pitchFamily="34" charset="0"/>
+              </a:rPr>
+              <a:t>species, as determined via High Performance Liquid Chromatography (HPLC). Concentrations were averaged from tissue samples taken from 3 biological replicates, and error bars represent standard error.</a:t>
+            </a:r>
+            <a:endParaRPr lang="en-US" sz="1000" b="1" dirty="0">
+              <a:latin typeface="Arial" panose="020B0604020202020204" pitchFamily="34" charset="0"/>
+              <a:cs typeface="Arial" panose="020B0604020202020204" pitchFamily="34" charset="0"/>
+            </a:endParaRPr>
+          </a:p>
+        </p:txBody>
+      </p:sp>
+      <p:sp>
+        <p:nvSpPr>
+          <p:cNvPr id="5" name="TextBox 4">
+            <a:extLst>
+              <a:ext uri="{FF2B5EF4-FFF2-40B4-BE49-F238E27FC236}">
+                <a16:creationId xmlns:a16="http://schemas.microsoft.com/office/drawing/2014/main" id="{5C20C24E-95DF-423D-B60F-7D9BD19993AA}"/>
+              </a:ext>
+            </a:extLst>
+          </p:cNvPr>
+          <p:cNvSpPr txBox="1"/>
+          <p:nvPr/>
+        </p:nvSpPr>
+        <p:spPr>
+          <a:xfrm>
+            <a:off x="0" y="9812179"/>
+            <a:ext cx="6412992" cy="246221"/>
+          </a:xfrm>
+          <a:prstGeom prst="rect">
+            <a:avLst/>
+          </a:prstGeom>
+          <a:noFill/>
+        </p:spPr>
+        <p:txBody>
+          <a:bodyPr wrap="square" rtlCol="0">
+            <a:spAutoFit/>
+          </a:bodyPr>
+          <a:lstStyle/>
+          <a:p>
+            <a:r>
+              <a:rPr lang="en-US" sz="1000" b="1" dirty="0">
+                <a:latin typeface="Arial" panose="020B0604020202020204" pitchFamily="34" charset="0"/>
+                <a:cs typeface="Arial" panose="020B0604020202020204" pitchFamily="34" charset="0"/>
+              </a:rPr>
+              <a:t>Figure 7. </a:t>
+            </a:r>
+            <a:r>
+              <a:rPr lang="en-US" sz="1000" i="1" dirty="0">
+                <a:latin typeface="Arial" panose="020B0604020202020204" pitchFamily="34" charset="0"/>
+                <a:cs typeface="Arial" panose="020B0604020202020204" pitchFamily="34" charset="0"/>
+              </a:rPr>
+              <a:t>S. </a:t>
+            </a:r>
+            <a:r>
+              <a:rPr lang="en-US" sz="1000" i="1" dirty="0" err="1">
+                <a:latin typeface="Arial" panose="020B0604020202020204" pitchFamily="34" charset="0"/>
+                <a:cs typeface="Arial" panose="020B0604020202020204" pitchFamily="34" charset="0"/>
+              </a:rPr>
+              <a:t>barbata</a:t>
+            </a:r>
+            <a:r>
+              <a:rPr lang="en-US" sz="1000" dirty="0">
+                <a:latin typeface="Arial" panose="020B0604020202020204" pitchFamily="34" charset="0"/>
+                <a:cs typeface="Arial" panose="020B0604020202020204" pitchFamily="34" charset="0"/>
+              </a:rPr>
+              <a:t> apigenin feeding results / Yeast activity test / </a:t>
+            </a:r>
+            <a:r>
+              <a:rPr lang="en-US" sz="1000" i="1" dirty="0">
+                <a:latin typeface="Arial" panose="020B0604020202020204" pitchFamily="34" charset="0"/>
+                <a:cs typeface="Arial" panose="020B0604020202020204" pitchFamily="34" charset="0"/>
+              </a:rPr>
+              <a:t>N. </a:t>
+            </a:r>
+            <a:r>
+              <a:rPr lang="en-US" sz="1000" i="1" dirty="0" err="1">
+                <a:latin typeface="Arial" panose="020B0604020202020204" pitchFamily="34" charset="0"/>
+                <a:cs typeface="Arial" panose="020B0604020202020204" pitchFamily="34" charset="0"/>
+              </a:rPr>
+              <a:t>benthamiana</a:t>
+            </a:r>
+            <a:r>
+              <a:rPr lang="en-US" sz="1000" i="1" dirty="0">
+                <a:latin typeface="Arial" panose="020B0604020202020204" pitchFamily="34" charset="0"/>
+                <a:cs typeface="Arial" panose="020B0604020202020204" pitchFamily="34" charset="0"/>
+              </a:rPr>
+              <a:t> </a:t>
+            </a:r>
+            <a:r>
+              <a:rPr lang="en-US" sz="1000" dirty="0">
+                <a:latin typeface="Arial" panose="020B0604020202020204" pitchFamily="34" charset="0"/>
+                <a:cs typeface="Arial" panose="020B0604020202020204" pitchFamily="34" charset="0"/>
+              </a:rPr>
+              <a:t>infiltration </a:t>
+            </a:r>
+            <a:endParaRPr lang="en-US" sz="1000" b="1" dirty="0">
+              <a:latin typeface="Arial" panose="020B0604020202020204" pitchFamily="34" charset="0"/>
+              <a:cs typeface="Arial" panose="020B0604020202020204" pitchFamily="34" charset="0"/>
+            </a:endParaRPr>
+          </a:p>
+        </p:txBody>
+      </p:sp>
+      <p:pic>
+        <p:nvPicPr>
+          <p:cNvPr id="6" name="Picture 5" descr="Chart&#10;&#10;Description automatically generated">
+            <a:extLst>
+              <a:ext uri="{FF2B5EF4-FFF2-40B4-BE49-F238E27FC236}">
+                <a16:creationId xmlns:a16="http://schemas.microsoft.com/office/drawing/2014/main" id="{4A06E93C-73B1-4053-898F-61C19A742496}"/>
+              </a:ext>
+            </a:extLst>
+          </p:cNvPr>
+          <p:cNvPicPr>
+            <a:picLocks noChangeAspect="1"/>
+          </p:cNvPicPr>
+          <p:nvPr/>
+        </p:nvPicPr>
+        <p:blipFill rotWithShape="1">
+          <a:blip r:embed="rId2">
+            <a:extLst>
+              <a:ext uri="{28A0092B-C50C-407E-A947-70E740481C1C}">
+                <a14:useLocalDpi xmlns:a14="http://schemas.microsoft.com/office/drawing/2010/main" val="0"/>
+              </a:ext>
+            </a:extLst>
+          </a:blip>
+          <a:srcRect t="43376"/>
+          <a:stretch/>
+        </p:blipFill>
+        <p:spPr>
+          <a:xfrm>
+            <a:off x="1146108" y="585215"/>
+            <a:ext cx="5480183" cy="3713051"/>
+          </a:xfrm>
+          <a:prstGeom prst="rect">
+            <a:avLst/>
+          </a:prstGeom>
+        </p:spPr>
+      </p:pic>
+      <p:sp>
+        <p:nvSpPr>
+          <p:cNvPr id="7" name="Rectangle 6">
+            <a:extLst>
+              <a:ext uri="{FF2B5EF4-FFF2-40B4-BE49-F238E27FC236}">
+                <a16:creationId xmlns:a16="http://schemas.microsoft.com/office/drawing/2014/main" id="{941C6DD7-B918-4B92-BDF4-370BDA724F1B}"/>
+              </a:ext>
+            </a:extLst>
+          </p:cNvPr>
+          <p:cNvSpPr/>
+          <p:nvPr/>
+        </p:nvSpPr>
+        <p:spPr>
+          <a:xfrm>
+            <a:off x="1658113" y="585215"/>
+            <a:ext cx="4852416" cy="2633473"/>
+          </a:xfrm>
+          <a:prstGeom prst="rect">
+            <a:avLst/>
+          </a:prstGeom>
+          <a:solidFill>
+            <a:schemeClr val="tx2">
+              <a:alpha val="43922"/>
+            </a:schemeClr>
+          </a:solidFill>
+        </p:spPr>
+        <p:style>
+          <a:lnRef idx="2">
+            <a:schemeClr val="accent1">
+              <a:shade val="50000"/>
+            </a:schemeClr>
+          </a:lnRef>
+          <a:fillRef idx="1">
+            <a:schemeClr val="accent1"/>
+          </a:fillRef>
+          <a:effectRef idx="0">
+            <a:schemeClr val="accent1"/>
+          </a:effectRef>
+          <a:fontRef idx="minor">
+            <a:schemeClr val="lt1"/>
+          </a:fontRef>
+        </p:style>
+        <p:txBody>
+          <a:bodyPr rtlCol="0" anchor="ctr"/>
+          <a:lstStyle/>
+          <a:p>
+            <a:pPr algn="ctr"/>
+            <a:endParaRPr lang="en-US"/>
+          </a:p>
+        </p:txBody>
+      </p:sp>
+      <p:grpSp>
+        <p:nvGrpSpPr>
+          <p:cNvPr id="2" name="Group 1">
+            <a:extLst>
+              <a:ext uri="{FF2B5EF4-FFF2-40B4-BE49-F238E27FC236}">
+                <a16:creationId xmlns:a16="http://schemas.microsoft.com/office/drawing/2014/main" id="{F90A56BD-675B-42BC-B052-A8E2DF4D8601}"/>
+              </a:ext>
+            </a:extLst>
+          </p:cNvPr>
+          <p:cNvGrpSpPr/>
+          <p:nvPr/>
+        </p:nvGrpSpPr>
+        <p:grpSpPr>
+          <a:xfrm>
+            <a:off x="668614" y="5966890"/>
+            <a:ext cx="6264483" cy="3190626"/>
+            <a:chOff x="668614" y="5966890"/>
+            <a:chExt cx="6264483" cy="3190626"/>
+          </a:xfrm>
+        </p:grpSpPr>
+        <p:graphicFrame>
+          <p:nvGraphicFramePr>
+            <p:cNvPr id="8" name="Chart 7">
+              <a:extLst>
+                <a:ext uri="{FF2B5EF4-FFF2-40B4-BE49-F238E27FC236}">
+                  <a16:creationId xmlns:a16="http://schemas.microsoft.com/office/drawing/2014/main" id="{00000000-0008-0000-0000-000002000000}"/>
+                </a:ext>
+              </a:extLst>
+            </p:cNvPr>
+            <p:cNvGraphicFramePr>
+              <a:graphicFrameLocks/>
+            </p:cNvGraphicFramePr>
+            <p:nvPr>
+              <p:extLst>
+                <p:ext uri="{D42A27DB-BD31-4B8C-83A1-F6EECF244321}">
+                  <p14:modId xmlns:p14="http://schemas.microsoft.com/office/powerpoint/2010/main" val="4156523455"/>
+                </p:ext>
+              </p:extLst>
+            </p:nvPr>
+          </p:nvGraphicFramePr>
+          <p:xfrm>
+            <a:off x="668614" y="6213111"/>
+            <a:ext cx="1884701" cy="2699478"/>
+          </p:xfrm>
+          <a:graphic>
+            <a:graphicData uri="http://schemas.openxmlformats.org/drawingml/2006/chart">
+              <c:chart xmlns:c="http://schemas.openxmlformats.org/drawingml/2006/chart" xmlns:r="http://schemas.openxmlformats.org/officeDocument/2006/relationships" r:id="rId3"/>
+            </a:graphicData>
+          </a:graphic>
+        </p:graphicFrame>
+        <p:graphicFrame>
+          <p:nvGraphicFramePr>
+            <p:cNvPr id="9" name="Chart 8">
+              <a:extLst>
+                <a:ext uri="{FF2B5EF4-FFF2-40B4-BE49-F238E27FC236}">
+                  <a16:creationId xmlns:a16="http://schemas.microsoft.com/office/drawing/2014/main" id="{00000000-0008-0000-0000-000003000000}"/>
+                </a:ext>
+              </a:extLst>
+            </p:cNvPr>
+            <p:cNvGraphicFramePr>
+              <a:graphicFrameLocks/>
+            </p:cNvGraphicFramePr>
+            <p:nvPr>
+              <p:extLst>
+                <p:ext uri="{D42A27DB-BD31-4B8C-83A1-F6EECF244321}">
+                  <p14:modId xmlns:p14="http://schemas.microsoft.com/office/powerpoint/2010/main" val="1570698743"/>
+                </p:ext>
+              </p:extLst>
+            </p:nvPr>
+          </p:nvGraphicFramePr>
+          <p:xfrm>
+            <a:off x="2860457" y="6213111"/>
+            <a:ext cx="1879079" cy="2699478"/>
+          </p:xfrm>
+          <a:graphic>
+            <a:graphicData uri="http://schemas.openxmlformats.org/drawingml/2006/chart">
+              <c:chart xmlns:c="http://schemas.openxmlformats.org/drawingml/2006/chart" xmlns:r="http://schemas.openxmlformats.org/officeDocument/2006/relationships" r:id="rId4"/>
+            </a:graphicData>
+          </a:graphic>
+        </p:graphicFrame>
+        <p:graphicFrame>
+          <p:nvGraphicFramePr>
+            <p:cNvPr id="10" name="Chart 9">
+              <a:extLst>
+                <a:ext uri="{FF2B5EF4-FFF2-40B4-BE49-F238E27FC236}">
+                  <a16:creationId xmlns:a16="http://schemas.microsoft.com/office/drawing/2014/main" id="{00000000-0008-0000-0000-000004000000}"/>
+                </a:ext>
+              </a:extLst>
+            </p:cNvPr>
+            <p:cNvGraphicFramePr>
+              <a:graphicFrameLocks/>
+            </p:cNvGraphicFramePr>
+            <p:nvPr>
+              <p:extLst>
+                <p:ext uri="{D42A27DB-BD31-4B8C-83A1-F6EECF244321}">
+                  <p14:modId xmlns:p14="http://schemas.microsoft.com/office/powerpoint/2010/main" val="3596263934"/>
+                </p:ext>
+              </p:extLst>
+            </p:nvPr>
+          </p:nvGraphicFramePr>
+          <p:xfrm>
+            <a:off x="5046678" y="6213111"/>
+            <a:ext cx="1886419" cy="2699478"/>
+          </p:xfrm>
+          <a:graphic>
+            <a:graphicData uri="http://schemas.openxmlformats.org/drawingml/2006/chart">
+              <c:chart xmlns:c="http://schemas.openxmlformats.org/drawingml/2006/chart" xmlns:r="http://schemas.openxmlformats.org/officeDocument/2006/relationships" r:id="rId5"/>
+            </a:graphicData>
+          </a:graphic>
+        </p:graphicFrame>
+        <p:sp>
+          <p:nvSpPr>
+            <p:cNvPr id="11" name="Rectangle 10">
+              <a:extLst>
+                <a:ext uri="{FF2B5EF4-FFF2-40B4-BE49-F238E27FC236}">
+                  <a16:creationId xmlns:a16="http://schemas.microsoft.com/office/drawing/2014/main" id="{14747B89-47D0-4086-9CEE-1B24BF689F47}"/>
+                </a:ext>
+              </a:extLst>
+            </p:cNvPr>
+            <p:cNvSpPr/>
+            <p:nvPr/>
+          </p:nvSpPr>
+          <p:spPr>
+            <a:xfrm>
+              <a:off x="2074162" y="5989512"/>
+              <a:ext cx="205263" cy="200978"/>
+            </a:xfrm>
+            <a:prstGeom prst="rect">
+              <a:avLst/>
+            </a:prstGeom>
+            <a:ln>
+              <a:noFill/>
+            </a:ln>
+          </p:spPr>
+          <p:style>
+            <a:lnRef idx="2">
+              <a:schemeClr val="accent1">
+                <a:shade val="50000"/>
+              </a:schemeClr>
+            </a:lnRef>
+            <a:fillRef idx="1">
+              <a:schemeClr val="accent1"/>
+            </a:fillRef>
+            <a:effectRef idx="0">
+              <a:schemeClr val="accent1"/>
+            </a:effectRef>
+            <a:fontRef idx="minor">
+              <a:schemeClr val="lt1"/>
+            </a:fontRef>
+          </p:style>
+          <p:txBody>
+            <a:bodyPr rtlCol="0" anchor="ctr"/>
+            <a:lstStyle/>
+            <a:p>
+              <a:pPr algn="ctr"/>
+              <a:endParaRPr lang="en-US"/>
+            </a:p>
+          </p:txBody>
+        </p:sp>
+        <p:sp>
+          <p:nvSpPr>
+            <p:cNvPr id="12" name="TextBox 11">
+              <a:extLst>
+                <a:ext uri="{FF2B5EF4-FFF2-40B4-BE49-F238E27FC236}">
+                  <a16:creationId xmlns:a16="http://schemas.microsoft.com/office/drawing/2014/main" id="{3C303586-6B93-4CE5-A023-D676CB6192D7}"/>
+                </a:ext>
+              </a:extLst>
+            </p:cNvPr>
+            <p:cNvSpPr txBox="1"/>
+            <p:nvPr/>
+          </p:nvSpPr>
+          <p:spPr>
+            <a:xfrm>
+              <a:off x="2279425" y="5966890"/>
+              <a:ext cx="1826141" cy="246221"/>
+            </a:xfrm>
+            <a:prstGeom prst="rect">
+              <a:avLst/>
+            </a:prstGeom>
+            <a:noFill/>
+          </p:spPr>
+          <p:txBody>
+            <a:bodyPr wrap="none" rtlCol="0">
+              <a:spAutoFit/>
+            </a:bodyPr>
+            <a:lstStyle/>
+            <a:p>
+              <a:r>
+                <a:rPr lang="en-US" sz="1000" dirty="0">
+                  <a:latin typeface="Arial" panose="020B0604020202020204" pitchFamily="34" charset="0"/>
+                  <a:cs typeface="Arial" panose="020B0604020202020204" pitchFamily="34" charset="0"/>
+                </a:rPr>
+                <a:t>Fed 100 </a:t>
+              </a:r>
+              <a:r>
+                <a:rPr lang="en-US" sz="1000" dirty="0" err="1">
+                  <a:latin typeface="Arial" panose="020B0604020202020204" pitchFamily="34" charset="0"/>
+                  <a:cs typeface="Arial" panose="020B0604020202020204" pitchFamily="34" charset="0"/>
+                </a:rPr>
+                <a:t>uM</a:t>
+              </a:r>
+              <a:r>
+                <a:rPr lang="en-US" sz="1000" dirty="0">
+                  <a:latin typeface="Arial" panose="020B0604020202020204" pitchFamily="34" charset="0"/>
+                  <a:cs typeface="Arial" panose="020B0604020202020204" pitchFamily="34" charset="0"/>
+                </a:rPr>
+                <a:t> apigenin, 5 days</a:t>
+              </a:r>
+            </a:p>
+          </p:txBody>
+        </p:sp>
+        <p:sp>
+          <p:nvSpPr>
+            <p:cNvPr id="13" name="Rectangle 12">
+              <a:extLst>
+                <a:ext uri="{FF2B5EF4-FFF2-40B4-BE49-F238E27FC236}">
+                  <a16:creationId xmlns:a16="http://schemas.microsoft.com/office/drawing/2014/main" id="{9836B537-D264-440E-B5FE-8AA3EA6D189A}"/>
+                </a:ext>
+              </a:extLst>
+            </p:cNvPr>
+            <p:cNvSpPr/>
+            <p:nvPr/>
+          </p:nvSpPr>
+          <p:spPr>
+            <a:xfrm>
+              <a:off x="4534273" y="5989512"/>
+              <a:ext cx="205263" cy="200978"/>
+            </a:xfrm>
+            <a:prstGeom prst="rect">
+              <a:avLst/>
+            </a:prstGeom>
+            <a:solidFill>
+              <a:srgbClr val="ED7D31"/>
+            </a:solidFill>
+            <a:ln>
+              <a:noFill/>
+            </a:ln>
+          </p:spPr>
+          <p:style>
+            <a:lnRef idx="2">
+              <a:schemeClr val="accent1">
+                <a:shade val="50000"/>
+              </a:schemeClr>
+            </a:lnRef>
+            <a:fillRef idx="1">
+              <a:schemeClr val="accent1"/>
+            </a:fillRef>
+            <a:effectRef idx="0">
+              <a:schemeClr val="accent1"/>
+            </a:effectRef>
+            <a:fontRef idx="minor">
+              <a:schemeClr val="lt1"/>
+            </a:fontRef>
+          </p:style>
+          <p:txBody>
+            <a:bodyPr rtlCol="0" anchor="ctr"/>
+            <a:lstStyle/>
+            <a:p>
+              <a:pPr algn="ctr"/>
+              <a:endParaRPr lang="en-US"/>
+            </a:p>
+          </p:txBody>
+        </p:sp>
+        <p:sp>
+          <p:nvSpPr>
+            <p:cNvPr id="14" name="TextBox 13">
+              <a:extLst>
+                <a:ext uri="{FF2B5EF4-FFF2-40B4-BE49-F238E27FC236}">
+                  <a16:creationId xmlns:a16="http://schemas.microsoft.com/office/drawing/2014/main" id="{53710753-F996-4A21-8FA7-E24AE2E176F4}"/>
+                </a:ext>
+              </a:extLst>
+            </p:cNvPr>
+            <p:cNvSpPr txBox="1"/>
+            <p:nvPr/>
+          </p:nvSpPr>
+          <p:spPr>
+            <a:xfrm>
+              <a:off x="4739536" y="5966890"/>
+              <a:ext cx="596638" cy="246221"/>
+            </a:xfrm>
+            <a:prstGeom prst="rect">
+              <a:avLst/>
+            </a:prstGeom>
+            <a:noFill/>
+          </p:spPr>
+          <p:txBody>
+            <a:bodyPr wrap="none" rtlCol="0">
+              <a:spAutoFit/>
+            </a:bodyPr>
+            <a:lstStyle/>
+            <a:p>
+              <a:r>
+                <a:rPr lang="en-US" sz="1000" dirty="0">
+                  <a:latin typeface="Arial" panose="020B0604020202020204" pitchFamily="34" charset="0"/>
+                  <a:cs typeface="Arial" panose="020B0604020202020204" pitchFamily="34" charset="0"/>
+                </a:rPr>
+                <a:t>Control</a:t>
+              </a:r>
+            </a:p>
+          </p:txBody>
+        </p:sp>
+        <p:sp>
+          <p:nvSpPr>
+            <p:cNvPr id="15" name="TextBox 14">
+              <a:extLst>
+                <a:ext uri="{FF2B5EF4-FFF2-40B4-BE49-F238E27FC236}">
+                  <a16:creationId xmlns:a16="http://schemas.microsoft.com/office/drawing/2014/main" id="{711DC5E7-8141-4EE6-BC45-99308122E68C}"/>
+                </a:ext>
+              </a:extLst>
+            </p:cNvPr>
+            <p:cNvSpPr txBox="1"/>
+            <p:nvPr/>
+          </p:nvSpPr>
+          <p:spPr>
+            <a:xfrm>
+              <a:off x="1417590" y="8911295"/>
+              <a:ext cx="859531" cy="246221"/>
+            </a:xfrm>
+            <a:prstGeom prst="rect">
+              <a:avLst/>
+            </a:prstGeom>
+            <a:noFill/>
+          </p:spPr>
+          <p:txBody>
+            <a:bodyPr wrap="none" rtlCol="0">
+              <a:spAutoFit/>
+            </a:bodyPr>
+            <a:lstStyle/>
+            <a:p>
+              <a:r>
+                <a:rPr lang="en-US" sz="1000" dirty="0">
+                  <a:latin typeface="Arial" panose="020B0604020202020204" pitchFamily="34" charset="0"/>
+                  <a:cs typeface="Arial" panose="020B0604020202020204" pitchFamily="34" charset="0"/>
+                </a:rPr>
+                <a:t>p = 0.00534</a:t>
+              </a:r>
+            </a:p>
+          </p:txBody>
+        </p:sp>
+        <p:sp>
+          <p:nvSpPr>
+            <p:cNvPr id="16" name="TextBox 15">
+              <a:extLst>
+                <a:ext uri="{FF2B5EF4-FFF2-40B4-BE49-F238E27FC236}">
+                  <a16:creationId xmlns:a16="http://schemas.microsoft.com/office/drawing/2014/main" id="{79D9CAC1-80BE-42A3-8C7E-660965021D24}"/>
+                </a:ext>
+              </a:extLst>
+            </p:cNvPr>
+            <p:cNvSpPr txBox="1"/>
+            <p:nvPr/>
+          </p:nvSpPr>
+          <p:spPr>
+            <a:xfrm>
+              <a:off x="3580539" y="8911293"/>
+              <a:ext cx="859531" cy="246221"/>
+            </a:xfrm>
+            <a:prstGeom prst="rect">
+              <a:avLst/>
+            </a:prstGeom>
+            <a:noFill/>
+          </p:spPr>
+          <p:txBody>
+            <a:bodyPr wrap="none" rtlCol="0">
+              <a:spAutoFit/>
+            </a:bodyPr>
+            <a:lstStyle/>
+            <a:p>
+              <a:r>
+                <a:rPr lang="en-US" sz="1000" dirty="0">
+                  <a:latin typeface="Arial" panose="020B0604020202020204" pitchFamily="34" charset="0"/>
+                  <a:cs typeface="Arial" panose="020B0604020202020204" pitchFamily="34" charset="0"/>
+                </a:rPr>
+                <a:t>p = 0.37529</a:t>
+              </a:r>
+            </a:p>
+          </p:txBody>
+        </p:sp>
+        <p:sp>
+          <p:nvSpPr>
+            <p:cNvPr id="17" name="TextBox 16">
+              <a:extLst>
+                <a:ext uri="{FF2B5EF4-FFF2-40B4-BE49-F238E27FC236}">
+                  <a16:creationId xmlns:a16="http://schemas.microsoft.com/office/drawing/2014/main" id="{C4236560-1CB2-4F5B-A1E9-0813E9321A7A}"/>
+                </a:ext>
+              </a:extLst>
+            </p:cNvPr>
+            <p:cNvSpPr txBox="1"/>
+            <p:nvPr/>
+          </p:nvSpPr>
+          <p:spPr>
+            <a:xfrm>
+              <a:off x="5766760" y="8911293"/>
+              <a:ext cx="859531" cy="246221"/>
+            </a:xfrm>
+            <a:prstGeom prst="rect">
+              <a:avLst/>
+            </a:prstGeom>
+            <a:noFill/>
+          </p:spPr>
+          <p:txBody>
+            <a:bodyPr wrap="none" rtlCol="0">
+              <a:spAutoFit/>
+            </a:bodyPr>
+            <a:lstStyle/>
+            <a:p>
+              <a:r>
+                <a:rPr lang="en-US" sz="1000" dirty="0">
+                  <a:latin typeface="Arial" panose="020B0604020202020204" pitchFamily="34" charset="0"/>
+                  <a:cs typeface="Arial" panose="020B0604020202020204" pitchFamily="34" charset="0"/>
+                </a:rPr>
+                <a:t>p = 0.31156</a:t>
+              </a:r>
+            </a:p>
+          </p:txBody>
+        </p:sp>
+      </p:grpSp>
+    </p:spTree>
+    <p:extLst>
+      <p:ext uri="{BB962C8B-B14F-4D97-AF65-F5344CB8AC3E}">
+        <p14:creationId xmlns:p14="http://schemas.microsoft.com/office/powerpoint/2010/main" val="1678482152"/>
+      </p:ext>
+    </p:extLst>
+  </p:cSld>
+  <p:clrMapOvr>
+    <a:masterClrMapping/>
+  </p:clrMapOvr>
+</p:sld>
+</file>
+
+<file path=ppt/slides/slide18.xml><?xml version="1.0" encoding="utf-8"?>
+<p:sld xmlns:a="http://schemas.openxmlformats.org/drawingml/2006/main" xmlns:r="http://schemas.openxmlformats.org/officeDocument/2006/relationships" xmlns:p="http://schemas.openxmlformats.org/presentationml/2006/main">
+  <p:cSld>
+    <p:spTree>
+      <p:nvGrpSpPr>
+        <p:cNvPr id="1" name=""/>
+        <p:cNvGrpSpPr/>
+        <p:nvPr/>
+      </p:nvGrpSpPr>
+      <p:grpSpPr>
+        <a:xfrm>
+          <a:off x="0" y="0"/>
+          <a:ext cx="0" cy="0"/>
+          <a:chOff x="0" y="0"/>
+          <a:chExt cx="0" cy="0"/>
+        </a:xfrm>
+      </p:grpSpPr>
+      <p:pic>
+        <p:nvPicPr>
           <p:cNvPr id="5" name="Picture 4" descr="Schematic&#10;&#10;Description automatically generated">
             <a:extLst>
               <a:ext uri="{FF2B5EF4-FFF2-40B4-BE49-F238E27FC236}">
@@ -11435,6 +15149,83 @@
               <a:rPr lang="en-US" dirty="0"/>
               <a:t>Proposed pathway:</a:t>
             </a:r>
+          </a:p>
+        </p:txBody>
+      </p:sp>
+      <p:sp>
+        <p:nvSpPr>
+          <p:cNvPr id="6" name="TextBox 5">
+            <a:extLst>
+              <a:ext uri="{FF2B5EF4-FFF2-40B4-BE49-F238E27FC236}">
+                <a16:creationId xmlns:a16="http://schemas.microsoft.com/office/drawing/2014/main" id="{10C4F89C-2A55-4D18-A2DF-269C72257243}"/>
+              </a:ext>
+            </a:extLst>
+          </p:cNvPr>
+          <p:cNvSpPr txBox="1"/>
+          <p:nvPr/>
+        </p:nvSpPr>
+        <p:spPr>
+          <a:xfrm>
+            <a:off x="0" y="9812179"/>
+            <a:ext cx="6412992" cy="246221"/>
+          </a:xfrm>
+          <a:prstGeom prst="rect">
+            <a:avLst/>
+          </a:prstGeom>
+          <a:noFill/>
+        </p:spPr>
+        <p:txBody>
+          <a:bodyPr wrap="square" rtlCol="0">
+            <a:spAutoFit/>
+          </a:bodyPr>
+          <a:lstStyle/>
+          <a:p>
+            <a:r>
+              <a:rPr lang="en-US" sz="1000" b="1" dirty="0">
+                <a:latin typeface="Arial" panose="020B0604020202020204" pitchFamily="34" charset="0"/>
+                <a:cs typeface="Arial" panose="020B0604020202020204" pitchFamily="34" charset="0"/>
+              </a:rPr>
+              <a:t>Figure 8. </a:t>
+            </a:r>
+            <a:r>
+              <a:rPr lang="en-US" sz="1000" dirty="0">
+                <a:latin typeface="Arial" panose="020B0604020202020204" pitchFamily="34" charset="0"/>
+                <a:cs typeface="Arial" panose="020B0604020202020204" pitchFamily="34" charset="0"/>
+              </a:rPr>
+              <a:t>Proposed pathway for biosynthesis of </a:t>
+            </a:r>
+            <a:r>
+              <a:rPr lang="en-US" sz="1000" dirty="0" err="1">
+                <a:latin typeface="Arial" panose="020B0604020202020204" pitchFamily="34" charset="0"/>
+                <a:cs typeface="Arial" panose="020B0604020202020204" pitchFamily="34" charset="0"/>
+              </a:rPr>
+              <a:t>isoscutellarein</a:t>
+            </a:r>
+            <a:r>
+              <a:rPr lang="en-US" sz="1000" dirty="0">
+                <a:latin typeface="Arial" panose="020B0604020202020204" pitchFamily="34" charset="0"/>
+                <a:cs typeface="Arial" panose="020B0604020202020204" pitchFamily="34" charset="0"/>
+              </a:rPr>
+              <a:t> 8-glucuronide in </a:t>
+            </a:r>
+            <a:r>
+              <a:rPr lang="en-US" sz="1000" i="1" dirty="0">
+                <a:latin typeface="Arial" panose="020B0604020202020204" pitchFamily="34" charset="0"/>
+                <a:cs typeface="Arial" panose="020B0604020202020204" pitchFamily="34" charset="0"/>
+              </a:rPr>
+              <a:t>Scutellaria</a:t>
+            </a:r>
+            <a:r>
+              <a:rPr lang="en-US" sz="1000" dirty="0">
+                <a:latin typeface="Arial" panose="020B0604020202020204" pitchFamily="34" charset="0"/>
+                <a:cs typeface="Arial" panose="020B0604020202020204" pitchFamily="34" charset="0"/>
+              </a:rPr>
+              <a:t>.</a:t>
+            </a:r>
+            <a:endParaRPr lang="en-US" sz="1000" b="1" dirty="0">
+              <a:latin typeface="Arial" panose="020B0604020202020204" pitchFamily="34" charset="0"/>
+              <a:cs typeface="Arial" panose="020B0604020202020204" pitchFamily="34" charset="0"/>
+            </a:endParaRPr>
           </a:p>
         </p:txBody>
       </p:sp>
